--- a/Python_for_Data_Science/week-6/Copy of DSE 200X_ Mini Project Presentation Template.pptx
+++ b/Python_for_Data_Science/week-6/Copy of DSE 200X_ Mini Project Presentation Template.pptx
@@ -13,9 +13,15 @@
     <p:sldId id="260" r:id="rId8"/>
     <p:sldId id="261" r:id="rId9"/>
     <p:sldId id="262" r:id="rId10"/>
+    <p:sldId id="263" r:id="rId11"/>
+    <p:sldId id="264" r:id="rId12"/>
+    <p:sldId id="265" r:id="rId13"/>
+    <p:sldId id="266" r:id="rId14"/>
+    <p:sldId id="267" r:id="rId15"/>
+    <p:sldId id="268" r:id="rId16"/>
   </p:sldIdLst>
   <p:sldSz cx="9144000" cy="5143500"/>
-  <p:notesSz cx="6858000" cy="9144000"/>
+  <p:notesSz cx="7559675" cy="10691813"/>
 </p:presentation>
 </file>
 
@@ -50,7 +56,7 @@
         <p:txBody>
           <a:bodyPr/>
           <a:p>
-            <a:fld id="{B813E6DF-447F-4759-BDC1-8D2479A52C93}" type="slidenum">
+            <a:fld id="{E923015B-85A3-4332-BD5F-3657FA9F4CCA}" type="slidenum">
               <a:t>&lt;#&gt;</a:t>
             </a:fld>
           </a:p>
@@ -90,8 +96,8 @@
         </p:nvSpPr>
         <p:spPr>
           <a:xfrm>
-            <a:off x="311760" y="444960"/>
-            <a:ext cx="8520120" cy="572400"/>
+            <a:off x="311760" y="418320"/>
+            <a:ext cx="8519760" cy="625320"/>
           </a:xfrm>
           <a:prstGeom prst="rect">
             <a:avLst/>
@@ -106,10 +112,10 @@
             <a:noAutofit/>
           </a:bodyPr>
           <a:p>
-            <a:endParaRPr b="0" lang="en-US" sz="1400" spc="-1" strike="noStrike">
-              <a:solidFill>
-                <a:srgbClr val="000000"/>
-              </a:solidFill>
+            <a:pPr algn="ctr">
+              <a:buNone/>
+            </a:pPr>
+            <a:endParaRPr b="0" lang="en-US" sz="4400" spc="-1" strike="noStrike">
               <a:latin typeface="Arial"/>
             </a:endParaRPr>
           </a:p>
@@ -128,7 +134,7 @@
         <p:spPr>
           <a:xfrm>
             <a:off x="311760" y="1152360"/>
-            <a:ext cx="8520120" cy="1629360"/>
+            <a:ext cx="8519760" cy="1629000"/>
           </a:xfrm>
           <a:prstGeom prst="rect">
             <a:avLst/>
@@ -143,10 +149,7 @@
             <a:normAutofit/>
           </a:bodyPr>
           <a:p>
-            <a:endParaRPr b="0" lang="en-US" sz="1400" spc="-1" strike="noStrike">
-              <a:solidFill>
-                <a:srgbClr val="000000"/>
-              </a:solidFill>
+            <a:endParaRPr b="0" lang="en-US" sz="3200" spc="-1" strike="noStrike">
               <a:latin typeface="Arial"/>
             </a:endParaRPr>
           </a:p>
@@ -164,8 +167,8 @@
         </p:nvSpPr>
         <p:spPr>
           <a:xfrm>
-            <a:off x="311760" y="2936880"/>
-            <a:ext cx="8520120" cy="1629360"/>
+            <a:off x="311760" y="2936520"/>
+            <a:ext cx="8519760" cy="1629000"/>
           </a:xfrm>
           <a:prstGeom prst="rect">
             <a:avLst/>
@@ -180,10 +183,7 @@
             <a:normAutofit/>
           </a:bodyPr>
           <a:p>
-            <a:endParaRPr b="0" lang="en-US" sz="1400" spc="-1" strike="noStrike">
-              <a:solidFill>
-                <a:srgbClr val="000000"/>
-              </a:solidFill>
+            <a:endParaRPr b="0" lang="en-US" sz="3200" spc="-1" strike="noStrike">
               <a:latin typeface="Arial"/>
             </a:endParaRPr>
           </a:p>
@@ -203,7 +203,7 @@
         <p:txBody>
           <a:bodyPr/>
           <a:p>
-            <a:fld id="{F81EA874-3467-49E5-9E2C-47C84061003B}" type="slidenum">
+            <a:fld id="{C22D7369-6404-4ABF-B049-73BAD5518EA4}" type="slidenum">
               <a:t>&lt;#&gt;</a:t>
             </a:fld>
           </a:p>
@@ -243,8 +243,8 @@
         </p:nvSpPr>
         <p:spPr>
           <a:xfrm>
-            <a:off x="311760" y="444960"/>
-            <a:ext cx="8520120" cy="572400"/>
+            <a:off x="311760" y="418320"/>
+            <a:ext cx="8519760" cy="625320"/>
           </a:xfrm>
           <a:prstGeom prst="rect">
             <a:avLst/>
@@ -259,10 +259,10 @@
             <a:noAutofit/>
           </a:bodyPr>
           <a:p>
-            <a:endParaRPr b="0" lang="en-US" sz="1400" spc="-1" strike="noStrike">
-              <a:solidFill>
-                <a:srgbClr val="000000"/>
-              </a:solidFill>
+            <a:pPr algn="ctr">
+              <a:buNone/>
+            </a:pPr>
+            <a:endParaRPr b="0" lang="en-US" sz="4400" spc="-1" strike="noStrike">
               <a:latin typeface="Arial"/>
             </a:endParaRPr>
           </a:p>
@@ -281,7 +281,7 @@
         <p:spPr>
           <a:xfrm>
             <a:off x="311760" y="1152360"/>
-            <a:ext cx="4157640" cy="1629360"/>
+            <a:ext cx="4157280" cy="1629000"/>
           </a:xfrm>
           <a:prstGeom prst="rect">
             <a:avLst/>
@@ -296,10 +296,7 @@
             <a:normAutofit/>
           </a:bodyPr>
           <a:p>
-            <a:endParaRPr b="0" lang="en-US" sz="1400" spc="-1" strike="noStrike">
-              <a:solidFill>
-                <a:srgbClr val="000000"/>
-              </a:solidFill>
+            <a:endParaRPr b="0" lang="en-US" sz="3200" spc="-1" strike="noStrike">
               <a:latin typeface="Arial"/>
             </a:endParaRPr>
           </a:p>
@@ -317,8 +314,8 @@
         </p:nvSpPr>
         <p:spPr>
           <a:xfrm>
-            <a:off x="4677840" y="1152360"/>
-            <a:ext cx="4157640" cy="1629360"/>
+            <a:off x="4677120" y="1152360"/>
+            <a:ext cx="4157280" cy="1629000"/>
           </a:xfrm>
           <a:prstGeom prst="rect">
             <a:avLst/>
@@ -333,10 +330,7 @@
             <a:normAutofit/>
           </a:bodyPr>
           <a:p>
-            <a:endParaRPr b="0" lang="en-US" sz="1400" spc="-1" strike="noStrike">
-              <a:solidFill>
-                <a:srgbClr val="000000"/>
-              </a:solidFill>
+            <a:endParaRPr b="0" lang="en-US" sz="3200" spc="-1" strike="noStrike">
               <a:latin typeface="Arial"/>
             </a:endParaRPr>
           </a:p>
@@ -354,8 +348,8 @@
         </p:nvSpPr>
         <p:spPr>
           <a:xfrm>
-            <a:off x="311760" y="2936880"/>
-            <a:ext cx="4157640" cy="1629360"/>
+            <a:off x="311760" y="2936520"/>
+            <a:ext cx="4157280" cy="1629000"/>
           </a:xfrm>
           <a:prstGeom prst="rect">
             <a:avLst/>
@@ -370,10 +364,7 @@
             <a:normAutofit/>
           </a:bodyPr>
           <a:p>
-            <a:endParaRPr b="0" lang="en-US" sz="1400" spc="-1" strike="noStrike">
-              <a:solidFill>
-                <a:srgbClr val="000000"/>
-              </a:solidFill>
+            <a:endParaRPr b="0" lang="en-US" sz="3200" spc="-1" strike="noStrike">
               <a:latin typeface="Arial"/>
             </a:endParaRPr>
           </a:p>
@@ -391,8 +382,8 @@
         </p:nvSpPr>
         <p:spPr>
           <a:xfrm>
-            <a:off x="4677840" y="2936880"/>
-            <a:ext cx="4157640" cy="1629360"/>
+            <a:off x="4677120" y="2936520"/>
+            <a:ext cx="4157280" cy="1629000"/>
           </a:xfrm>
           <a:prstGeom prst="rect">
             <a:avLst/>
@@ -407,10 +398,7 @@
             <a:normAutofit/>
           </a:bodyPr>
           <a:p>
-            <a:endParaRPr b="0" lang="en-US" sz="1400" spc="-1" strike="noStrike">
-              <a:solidFill>
-                <a:srgbClr val="000000"/>
-              </a:solidFill>
+            <a:endParaRPr b="0" lang="en-US" sz="3200" spc="-1" strike="noStrike">
               <a:latin typeface="Arial"/>
             </a:endParaRPr>
           </a:p>
@@ -430,7 +418,7 @@
         <p:txBody>
           <a:bodyPr/>
           <a:p>
-            <a:fld id="{1633FA07-5DE8-413A-8DA5-D97AF5070CFC}" type="slidenum">
+            <a:fld id="{C217DCB8-35E3-4B69-ABC3-67C9B6BC41AA}" type="slidenum">
               <a:t>&lt;#&gt;</a:t>
             </a:fld>
           </a:p>
@@ -470,8 +458,8 @@
         </p:nvSpPr>
         <p:spPr>
           <a:xfrm>
-            <a:off x="311760" y="444960"/>
-            <a:ext cx="8520120" cy="572400"/>
+            <a:off x="311760" y="418320"/>
+            <a:ext cx="8519760" cy="625320"/>
           </a:xfrm>
           <a:prstGeom prst="rect">
             <a:avLst/>
@@ -486,10 +474,10 @@
             <a:noAutofit/>
           </a:bodyPr>
           <a:p>
-            <a:endParaRPr b="0" lang="en-US" sz="1400" spc="-1" strike="noStrike">
-              <a:solidFill>
-                <a:srgbClr val="000000"/>
-              </a:solidFill>
+            <a:pPr algn="ctr">
+              <a:buNone/>
+            </a:pPr>
+            <a:endParaRPr b="0" lang="en-US" sz="4400" spc="-1" strike="noStrike">
               <a:latin typeface="Arial"/>
             </a:endParaRPr>
           </a:p>
@@ -508,7 +496,7 @@
         <p:spPr>
           <a:xfrm>
             <a:off x="311760" y="1152360"/>
-            <a:ext cx="2743200" cy="1629360"/>
+            <a:ext cx="2743200" cy="1629000"/>
           </a:xfrm>
           <a:prstGeom prst="rect">
             <a:avLst/>
@@ -523,10 +511,7 @@
             <a:normAutofit/>
           </a:bodyPr>
           <a:p>
-            <a:endParaRPr b="0" lang="en-US" sz="1400" spc="-1" strike="noStrike">
-              <a:solidFill>
-                <a:srgbClr val="000000"/>
-              </a:solidFill>
+            <a:endParaRPr b="0" lang="en-US" sz="3200" spc="-1" strike="noStrike">
               <a:latin typeface="Arial"/>
             </a:endParaRPr>
           </a:p>
@@ -545,7 +530,7 @@
         <p:spPr>
           <a:xfrm>
             <a:off x="3192480" y="1152360"/>
-            <a:ext cx="2743200" cy="1629360"/>
+            <a:ext cx="2743200" cy="1629000"/>
           </a:xfrm>
           <a:prstGeom prst="rect">
             <a:avLst/>
@@ -560,10 +545,7 @@
             <a:normAutofit/>
           </a:bodyPr>
           <a:p>
-            <a:endParaRPr b="0" lang="en-US" sz="1400" spc="-1" strike="noStrike">
-              <a:solidFill>
-                <a:srgbClr val="000000"/>
-              </a:solidFill>
+            <a:endParaRPr b="0" lang="en-US" sz="3200" spc="-1" strike="noStrike">
               <a:latin typeface="Arial"/>
             </a:endParaRPr>
           </a:p>
@@ -582,7 +564,7 @@
         <p:spPr>
           <a:xfrm>
             <a:off x="6073200" y="1152360"/>
-            <a:ext cx="2743200" cy="1629360"/>
+            <a:ext cx="2743200" cy="1629000"/>
           </a:xfrm>
           <a:prstGeom prst="rect">
             <a:avLst/>
@@ -597,10 +579,7 @@
             <a:normAutofit/>
           </a:bodyPr>
           <a:p>
-            <a:endParaRPr b="0" lang="en-US" sz="1400" spc="-1" strike="noStrike">
-              <a:solidFill>
-                <a:srgbClr val="000000"/>
-              </a:solidFill>
+            <a:endParaRPr b="0" lang="en-US" sz="3200" spc="-1" strike="noStrike">
               <a:latin typeface="Arial"/>
             </a:endParaRPr>
           </a:p>
@@ -618,8 +597,8 @@
         </p:nvSpPr>
         <p:spPr>
           <a:xfrm>
-            <a:off x="311760" y="2936880"/>
-            <a:ext cx="2743200" cy="1629360"/>
+            <a:off x="311760" y="2936520"/>
+            <a:ext cx="2743200" cy="1629000"/>
           </a:xfrm>
           <a:prstGeom prst="rect">
             <a:avLst/>
@@ -634,10 +613,7 @@
             <a:normAutofit/>
           </a:bodyPr>
           <a:p>
-            <a:endParaRPr b="0" lang="en-US" sz="1400" spc="-1" strike="noStrike">
-              <a:solidFill>
-                <a:srgbClr val="000000"/>
-              </a:solidFill>
+            <a:endParaRPr b="0" lang="en-US" sz="3200" spc="-1" strike="noStrike">
               <a:latin typeface="Arial"/>
             </a:endParaRPr>
           </a:p>
@@ -655,8 +631,8 @@
         </p:nvSpPr>
         <p:spPr>
           <a:xfrm>
-            <a:off x="3192480" y="2936880"/>
-            <a:ext cx="2743200" cy="1629360"/>
+            <a:off x="3192480" y="2936520"/>
+            <a:ext cx="2743200" cy="1629000"/>
           </a:xfrm>
           <a:prstGeom prst="rect">
             <a:avLst/>
@@ -671,10 +647,7 @@
             <a:normAutofit/>
           </a:bodyPr>
           <a:p>
-            <a:endParaRPr b="0" lang="en-US" sz="1400" spc="-1" strike="noStrike">
-              <a:solidFill>
-                <a:srgbClr val="000000"/>
-              </a:solidFill>
+            <a:endParaRPr b="0" lang="en-US" sz="3200" spc="-1" strike="noStrike">
               <a:latin typeface="Arial"/>
             </a:endParaRPr>
           </a:p>
@@ -692,8 +665,8 @@
         </p:nvSpPr>
         <p:spPr>
           <a:xfrm>
-            <a:off x="6073200" y="2936880"/>
-            <a:ext cx="2743200" cy="1629360"/>
+            <a:off x="6073200" y="2936520"/>
+            <a:ext cx="2743200" cy="1629000"/>
           </a:xfrm>
           <a:prstGeom prst="rect">
             <a:avLst/>
@@ -708,10 +681,7 @@
             <a:normAutofit/>
           </a:bodyPr>
           <a:p>
-            <a:endParaRPr b="0" lang="en-US" sz="1400" spc="-1" strike="noStrike">
-              <a:solidFill>
-                <a:srgbClr val="000000"/>
-              </a:solidFill>
+            <a:endParaRPr b="0" lang="en-US" sz="3200" spc="-1" strike="noStrike">
               <a:latin typeface="Arial"/>
             </a:endParaRPr>
           </a:p>
@@ -731,7 +701,7 @@
         <p:txBody>
           <a:bodyPr/>
           <a:p>
-            <a:fld id="{F799EE82-68D0-48FA-980B-AF1758CEC54C}" type="slidenum">
+            <a:fld id="{058E4055-8C95-4887-8A04-247BA932AA5F}" type="slidenum">
               <a:t>&lt;#&gt;</a:t>
             </a:fld>
           </a:p>
@@ -773,7 +743,7 @@
         <p:txBody>
           <a:bodyPr/>
           <a:p>
-            <a:fld id="{F5BD2925-8C05-4A92-9C0D-06EBCFE96B84}" type="slidenum">
+            <a:fld id="{D0AF97DB-EA90-47B1-A051-E6AB5C72F280}" type="slidenum">
               <a:t>&lt;#&gt;</a:t>
             </a:fld>
           </a:p>
@@ -813,8 +783,8 @@
         </p:nvSpPr>
         <p:spPr>
           <a:xfrm>
-            <a:off x="311760" y="444960"/>
-            <a:ext cx="8520120" cy="572400"/>
+            <a:off x="311760" y="418320"/>
+            <a:ext cx="8519760" cy="625320"/>
           </a:xfrm>
           <a:prstGeom prst="rect">
             <a:avLst/>
@@ -829,10 +799,10 @@
             <a:noAutofit/>
           </a:bodyPr>
           <a:p>
-            <a:endParaRPr b="0" lang="en-US" sz="1400" spc="-1" strike="noStrike">
-              <a:solidFill>
-                <a:srgbClr val="000000"/>
-              </a:solidFill>
+            <a:pPr algn="ctr">
+              <a:buNone/>
+            </a:pPr>
+            <a:endParaRPr b="0" lang="en-US" sz="4400" spc="-1" strike="noStrike">
               <a:latin typeface="Arial"/>
             </a:endParaRPr>
           </a:p>
@@ -851,7 +821,7 @@
         <p:spPr>
           <a:xfrm>
             <a:off x="311760" y="1152360"/>
-            <a:ext cx="8520120" cy="3416040"/>
+            <a:ext cx="8519760" cy="3415680"/>
           </a:xfrm>
           <a:prstGeom prst="rect">
             <a:avLst/>
@@ -889,7 +859,7 @@
         <p:txBody>
           <a:bodyPr/>
           <a:p>
-            <a:fld id="{426C005D-AB8A-447F-A7D4-BBBFCA8B8F3E}" type="slidenum">
+            <a:fld id="{2C7514B8-6621-495F-8054-40BCF76A0CA8}" type="slidenum">
               <a:t>&lt;#&gt;</a:t>
             </a:fld>
           </a:p>
@@ -929,8 +899,8 @@
         </p:nvSpPr>
         <p:spPr>
           <a:xfrm>
-            <a:off x="311760" y="444960"/>
-            <a:ext cx="8520120" cy="572400"/>
+            <a:off x="311760" y="418320"/>
+            <a:ext cx="8519760" cy="625320"/>
           </a:xfrm>
           <a:prstGeom prst="rect">
             <a:avLst/>
@@ -945,10 +915,10 @@
             <a:noAutofit/>
           </a:bodyPr>
           <a:p>
-            <a:endParaRPr b="0" lang="en-US" sz="1400" spc="-1" strike="noStrike">
-              <a:solidFill>
-                <a:srgbClr val="000000"/>
-              </a:solidFill>
+            <a:pPr algn="ctr">
+              <a:buNone/>
+            </a:pPr>
+            <a:endParaRPr b="0" lang="en-US" sz="4400" spc="-1" strike="noStrike">
               <a:latin typeface="Arial"/>
             </a:endParaRPr>
           </a:p>
@@ -967,7 +937,7 @@
         <p:spPr>
           <a:xfrm>
             <a:off x="311760" y="1152360"/>
-            <a:ext cx="8520120" cy="3416040"/>
+            <a:ext cx="8519760" cy="3415680"/>
           </a:xfrm>
           <a:prstGeom prst="rect">
             <a:avLst/>
@@ -982,10 +952,7 @@
             <a:normAutofit/>
           </a:bodyPr>
           <a:p>
-            <a:endParaRPr b="0" lang="en-US" sz="1400" spc="-1" strike="noStrike">
-              <a:solidFill>
-                <a:srgbClr val="000000"/>
-              </a:solidFill>
+            <a:endParaRPr b="0" lang="en-US" sz="3200" spc="-1" strike="noStrike">
               <a:latin typeface="Arial"/>
             </a:endParaRPr>
           </a:p>
@@ -1005,7 +972,7 @@
         <p:txBody>
           <a:bodyPr/>
           <a:p>
-            <a:fld id="{0D12BC9D-757C-4F6D-8BD3-D091D0B500B7}" type="slidenum">
+            <a:fld id="{17286C32-A4EB-4CB8-B401-4C175BFAA01E}" type="slidenum">
               <a:t>&lt;#&gt;</a:t>
             </a:fld>
           </a:p>
@@ -1045,8 +1012,8 @@
         </p:nvSpPr>
         <p:spPr>
           <a:xfrm>
-            <a:off x="311760" y="444960"/>
-            <a:ext cx="8520120" cy="572400"/>
+            <a:off x="311760" y="418320"/>
+            <a:ext cx="8519760" cy="625320"/>
           </a:xfrm>
           <a:prstGeom prst="rect">
             <a:avLst/>
@@ -1061,10 +1028,10 @@
             <a:noAutofit/>
           </a:bodyPr>
           <a:p>
-            <a:endParaRPr b="0" lang="en-US" sz="1400" spc="-1" strike="noStrike">
-              <a:solidFill>
-                <a:srgbClr val="000000"/>
-              </a:solidFill>
+            <a:pPr algn="ctr">
+              <a:buNone/>
+            </a:pPr>
+            <a:endParaRPr b="0" lang="en-US" sz="4400" spc="-1" strike="noStrike">
               <a:latin typeface="Arial"/>
             </a:endParaRPr>
           </a:p>
@@ -1083,7 +1050,7 @@
         <p:spPr>
           <a:xfrm>
             <a:off x="311760" y="1152360"/>
-            <a:ext cx="4157640" cy="3416040"/>
+            <a:ext cx="4157280" cy="3415680"/>
           </a:xfrm>
           <a:prstGeom prst="rect">
             <a:avLst/>
@@ -1098,10 +1065,7 @@
             <a:normAutofit/>
           </a:bodyPr>
           <a:p>
-            <a:endParaRPr b="0" lang="en-US" sz="1400" spc="-1" strike="noStrike">
-              <a:solidFill>
-                <a:srgbClr val="000000"/>
-              </a:solidFill>
+            <a:endParaRPr b="0" lang="en-US" sz="3200" spc="-1" strike="noStrike">
               <a:latin typeface="Arial"/>
             </a:endParaRPr>
           </a:p>
@@ -1119,8 +1083,8 @@
         </p:nvSpPr>
         <p:spPr>
           <a:xfrm>
-            <a:off x="4677840" y="1152360"/>
-            <a:ext cx="4157640" cy="3416040"/>
+            <a:off x="4677120" y="1152360"/>
+            <a:ext cx="4157280" cy="3415680"/>
           </a:xfrm>
           <a:prstGeom prst="rect">
             <a:avLst/>
@@ -1135,10 +1099,7 @@
             <a:normAutofit/>
           </a:bodyPr>
           <a:p>
-            <a:endParaRPr b="0" lang="en-US" sz="1400" spc="-1" strike="noStrike">
-              <a:solidFill>
-                <a:srgbClr val="000000"/>
-              </a:solidFill>
+            <a:endParaRPr b="0" lang="en-US" sz="3200" spc="-1" strike="noStrike">
               <a:latin typeface="Arial"/>
             </a:endParaRPr>
           </a:p>
@@ -1158,7 +1119,7 @@
         <p:txBody>
           <a:bodyPr/>
           <a:p>
-            <a:fld id="{A5370C00-204E-4BEF-B1E1-D0D48CCE6E63}" type="slidenum">
+            <a:fld id="{C167A90C-9F77-4E1C-A5E2-361ADA82FD9F}" type="slidenum">
               <a:t>&lt;#&gt;</a:t>
             </a:fld>
           </a:p>
@@ -1198,8 +1159,8 @@
         </p:nvSpPr>
         <p:spPr>
           <a:xfrm>
-            <a:off x="311760" y="444960"/>
-            <a:ext cx="8520120" cy="572400"/>
+            <a:off x="311760" y="418320"/>
+            <a:ext cx="8519760" cy="625320"/>
           </a:xfrm>
           <a:prstGeom prst="rect">
             <a:avLst/>
@@ -1214,10 +1175,10 @@
             <a:noAutofit/>
           </a:bodyPr>
           <a:p>
-            <a:endParaRPr b="0" lang="en-US" sz="1400" spc="-1" strike="noStrike">
-              <a:solidFill>
-                <a:srgbClr val="000000"/>
-              </a:solidFill>
+            <a:pPr algn="ctr">
+              <a:buNone/>
+            </a:pPr>
+            <a:endParaRPr b="0" lang="en-US" sz="4400" spc="-1" strike="noStrike">
               <a:latin typeface="Arial"/>
             </a:endParaRPr>
           </a:p>
@@ -1237,7 +1198,7 @@
         <p:txBody>
           <a:bodyPr/>
           <a:p>
-            <a:fld id="{97F6ED70-6AB9-483B-AACE-ECE58C401B99}" type="slidenum">
+            <a:fld id="{183854A4-F18F-441E-8BDB-DC5900D04A81}" type="slidenum">
               <a:t>&lt;#&gt;</a:t>
             </a:fld>
           </a:p>
@@ -1278,7 +1239,7 @@
         <p:spPr>
           <a:xfrm>
             <a:off x="311760" y="444960"/>
-            <a:ext cx="8520120" cy="2654640"/>
+            <a:ext cx="8519760" cy="2652840"/>
           </a:xfrm>
           <a:prstGeom prst="rect">
             <a:avLst/>
@@ -1316,7 +1277,7 @@
         <p:txBody>
           <a:bodyPr/>
           <a:p>
-            <a:fld id="{C50314C2-E460-4922-90CF-7A583A224DB0}" type="slidenum">
+            <a:fld id="{5B23DA64-E7C1-4CC0-88B0-79F5FBBA1D39}" type="slidenum">
               <a:t>&lt;#&gt;</a:t>
             </a:fld>
           </a:p>
@@ -1356,8 +1317,8 @@
         </p:nvSpPr>
         <p:spPr>
           <a:xfrm>
-            <a:off x="311760" y="444960"/>
-            <a:ext cx="8520120" cy="572400"/>
+            <a:off x="311760" y="418320"/>
+            <a:ext cx="8519760" cy="625320"/>
           </a:xfrm>
           <a:prstGeom prst="rect">
             <a:avLst/>
@@ -1372,10 +1333,10 @@
             <a:noAutofit/>
           </a:bodyPr>
           <a:p>
-            <a:endParaRPr b="0" lang="en-US" sz="1400" spc="-1" strike="noStrike">
-              <a:solidFill>
-                <a:srgbClr val="000000"/>
-              </a:solidFill>
+            <a:pPr algn="ctr">
+              <a:buNone/>
+            </a:pPr>
+            <a:endParaRPr b="0" lang="en-US" sz="4400" spc="-1" strike="noStrike">
               <a:latin typeface="Arial"/>
             </a:endParaRPr>
           </a:p>
@@ -1394,7 +1355,7 @@
         <p:spPr>
           <a:xfrm>
             <a:off x="311760" y="1152360"/>
-            <a:ext cx="4157640" cy="1629360"/>
+            <a:ext cx="4157280" cy="1629000"/>
           </a:xfrm>
           <a:prstGeom prst="rect">
             <a:avLst/>
@@ -1409,10 +1370,7 @@
             <a:normAutofit/>
           </a:bodyPr>
           <a:p>
-            <a:endParaRPr b="0" lang="en-US" sz="1400" spc="-1" strike="noStrike">
-              <a:solidFill>
-                <a:srgbClr val="000000"/>
-              </a:solidFill>
+            <a:endParaRPr b="0" lang="en-US" sz="3200" spc="-1" strike="noStrike">
               <a:latin typeface="Arial"/>
             </a:endParaRPr>
           </a:p>
@@ -1430,8 +1388,8 @@
         </p:nvSpPr>
         <p:spPr>
           <a:xfrm>
-            <a:off x="4677840" y="1152360"/>
-            <a:ext cx="4157640" cy="3416040"/>
+            <a:off x="4677120" y="1152360"/>
+            <a:ext cx="4157280" cy="3415680"/>
           </a:xfrm>
           <a:prstGeom prst="rect">
             <a:avLst/>
@@ -1446,10 +1404,7 @@
             <a:normAutofit/>
           </a:bodyPr>
           <a:p>
-            <a:endParaRPr b="0" lang="en-US" sz="1400" spc="-1" strike="noStrike">
-              <a:solidFill>
-                <a:srgbClr val="000000"/>
-              </a:solidFill>
+            <a:endParaRPr b="0" lang="en-US" sz="3200" spc="-1" strike="noStrike">
               <a:latin typeface="Arial"/>
             </a:endParaRPr>
           </a:p>
@@ -1467,8 +1422,8 @@
         </p:nvSpPr>
         <p:spPr>
           <a:xfrm>
-            <a:off x="311760" y="2936880"/>
-            <a:ext cx="4157640" cy="1629360"/>
+            <a:off x="311760" y="2936520"/>
+            <a:ext cx="4157280" cy="1629000"/>
           </a:xfrm>
           <a:prstGeom prst="rect">
             <a:avLst/>
@@ -1483,10 +1438,7 @@
             <a:normAutofit/>
           </a:bodyPr>
           <a:p>
-            <a:endParaRPr b="0" lang="en-US" sz="1400" spc="-1" strike="noStrike">
-              <a:solidFill>
-                <a:srgbClr val="000000"/>
-              </a:solidFill>
+            <a:endParaRPr b="0" lang="en-US" sz="3200" spc="-1" strike="noStrike">
               <a:latin typeface="Arial"/>
             </a:endParaRPr>
           </a:p>
@@ -1506,7 +1458,7 @@
         <p:txBody>
           <a:bodyPr/>
           <a:p>
-            <a:fld id="{0E1347C5-BF4C-4E3F-9A01-0C45A738884F}" type="slidenum">
+            <a:fld id="{9F5ED4A4-CB07-46FA-95D1-336E206DDEF7}" type="slidenum">
               <a:t>&lt;#&gt;</a:t>
             </a:fld>
           </a:p>
@@ -1546,8 +1498,8 @@
         </p:nvSpPr>
         <p:spPr>
           <a:xfrm>
-            <a:off x="311760" y="444960"/>
-            <a:ext cx="8520120" cy="572400"/>
+            <a:off x="311760" y="418320"/>
+            <a:ext cx="8519760" cy="625320"/>
           </a:xfrm>
           <a:prstGeom prst="rect">
             <a:avLst/>
@@ -1562,10 +1514,10 @@
             <a:noAutofit/>
           </a:bodyPr>
           <a:p>
-            <a:endParaRPr b="0" lang="en-US" sz="1400" spc="-1" strike="noStrike">
-              <a:solidFill>
-                <a:srgbClr val="000000"/>
-              </a:solidFill>
+            <a:pPr algn="ctr">
+              <a:buNone/>
+            </a:pPr>
+            <a:endParaRPr b="0" lang="en-US" sz="4400" spc="-1" strike="noStrike">
               <a:latin typeface="Arial"/>
             </a:endParaRPr>
           </a:p>
@@ -1584,7 +1536,7 @@
         <p:spPr>
           <a:xfrm>
             <a:off x="311760" y="1152360"/>
-            <a:ext cx="8520120" cy="3416040"/>
+            <a:ext cx="8519760" cy="3415680"/>
           </a:xfrm>
           <a:prstGeom prst="rect">
             <a:avLst/>
@@ -1622,7 +1574,7 @@
         <p:txBody>
           <a:bodyPr/>
           <a:p>
-            <a:fld id="{31AE9F19-E5F8-4F47-8205-D95B03E550E3}" type="slidenum">
+            <a:fld id="{843FB1F4-5053-49A7-BCE2-6142F6F39EC2}" type="slidenum">
               <a:t>&lt;#&gt;</a:t>
             </a:fld>
           </a:p>
@@ -1662,8 +1614,8 @@
         </p:nvSpPr>
         <p:spPr>
           <a:xfrm>
-            <a:off x="311760" y="444960"/>
-            <a:ext cx="8520120" cy="572400"/>
+            <a:off x="311760" y="418320"/>
+            <a:ext cx="8519760" cy="625320"/>
           </a:xfrm>
           <a:prstGeom prst="rect">
             <a:avLst/>
@@ -1678,10 +1630,10 @@
             <a:noAutofit/>
           </a:bodyPr>
           <a:p>
-            <a:endParaRPr b="0" lang="en-US" sz="1400" spc="-1" strike="noStrike">
-              <a:solidFill>
-                <a:srgbClr val="000000"/>
-              </a:solidFill>
+            <a:pPr algn="ctr">
+              <a:buNone/>
+            </a:pPr>
+            <a:endParaRPr b="0" lang="en-US" sz="4400" spc="-1" strike="noStrike">
               <a:latin typeface="Arial"/>
             </a:endParaRPr>
           </a:p>
@@ -1700,7 +1652,7 @@
         <p:spPr>
           <a:xfrm>
             <a:off x="311760" y="1152360"/>
-            <a:ext cx="4157640" cy="3416040"/>
+            <a:ext cx="4157280" cy="3415680"/>
           </a:xfrm>
           <a:prstGeom prst="rect">
             <a:avLst/>
@@ -1715,10 +1667,7 @@
             <a:normAutofit/>
           </a:bodyPr>
           <a:p>
-            <a:endParaRPr b="0" lang="en-US" sz="1400" spc="-1" strike="noStrike">
-              <a:solidFill>
-                <a:srgbClr val="000000"/>
-              </a:solidFill>
+            <a:endParaRPr b="0" lang="en-US" sz="3200" spc="-1" strike="noStrike">
               <a:latin typeface="Arial"/>
             </a:endParaRPr>
           </a:p>
@@ -1736,8 +1685,8 @@
         </p:nvSpPr>
         <p:spPr>
           <a:xfrm>
-            <a:off x="4677840" y="1152360"/>
-            <a:ext cx="4157640" cy="1629360"/>
+            <a:off x="4677120" y="1152360"/>
+            <a:ext cx="4157280" cy="1629000"/>
           </a:xfrm>
           <a:prstGeom prst="rect">
             <a:avLst/>
@@ -1752,10 +1701,7 @@
             <a:normAutofit/>
           </a:bodyPr>
           <a:p>
-            <a:endParaRPr b="0" lang="en-US" sz="1400" spc="-1" strike="noStrike">
-              <a:solidFill>
-                <a:srgbClr val="000000"/>
-              </a:solidFill>
+            <a:endParaRPr b="0" lang="en-US" sz="3200" spc="-1" strike="noStrike">
               <a:latin typeface="Arial"/>
             </a:endParaRPr>
           </a:p>
@@ -1773,8 +1719,8 @@
         </p:nvSpPr>
         <p:spPr>
           <a:xfrm>
-            <a:off x="4677840" y="2936880"/>
-            <a:ext cx="4157640" cy="1629360"/>
+            <a:off x="4677120" y="2936520"/>
+            <a:ext cx="4157280" cy="1629000"/>
           </a:xfrm>
           <a:prstGeom prst="rect">
             <a:avLst/>
@@ -1789,10 +1735,7 @@
             <a:normAutofit/>
           </a:bodyPr>
           <a:p>
-            <a:endParaRPr b="0" lang="en-US" sz="1400" spc="-1" strike="noStrike">
-              <a:solidFill>
-                <a:srgbClr val="000000"/>
-              </a:solidFill>
+            <a:endParaRPr b="0" lang="en-US" sz="3200" spc="-1" strike="noStrike">
               <a:latin typeface="Arial"/>
             </a:endParaRPr>
           </a:p>
@@ -1812,7 +1755,7 @@
         <p:txBody>
           <a:bodyPr/>
           <a:p>
-            <a:fld id="{1D4A3D38-B867-4DC1-8C45-895DE15943D3}" type="slidenum">
+            <a:fld id="{132597B5-3A18-494D-B51F-8B58091E34FF}" type="slidenum">
               <a:t>&lt;#&gt;</a:t>
             </a:fld>
           </a:p>
@@ -1852,8 +1795,8 @@
         </p:nvSpPr>
         <p:spPr>
           <a:xfrm>
-            <a:off x="311760" y="444960"/>
-            <a:ext cx="8520120" cy="572400"/>
+            <a:off x="311760" y="418320"/>
+            <a:ext cx="8519760" cy="625320"/>
           </a:xfrm>
           <a:prstGeom prst="rect">
             <a:avLst/>
@@ -1868,10 +1811,10 @@
             <a:noAutofit/>
           </a:bodyPr>
           <a:p>
-            <a:endParaRPr b="0" lang="en-US" sz="1400" spc="-1" strike="noStrike">
-              <a:solidFill>
-                <a:srgbClr val="000000"/>
-              </a:solidFill>
+            <a:pPr algn="ctr">
+              <a:buNone/>
+            </a:pPr>
+            <a:endParaRPr b="0" lang="en-US" sz="4400" spc="-1" strike="noStrike">
               <a:latin typeface="Arial"/>
             </a:endParaRPr>
           </a:p>
@@ -1890,7 +1833,7 @@
         <p:spPr>
           <a:xfrm>
             <a:off x="311760" y="1152360"/>
-            <a:ext cx="4157640" cy="1629360"/>
+            <a:ext cx="4157280" cy="1629000"/>
           </a:xfrm>
           <a:prstGeom prst="rect">
             <a:avLst/>
@@ -1905,10 +1848,7 @@
             <a:normAutofit/>
           </a:bodyPr>
           <a:p>
-            <a:endParaRPr b="0" lang="en-US" sz="1400" spc="-1" strike="noStrike">
-              <a:solidFill>
-                <a:srgbClr val="000000"/>
-              </a:solidFill>
+            <a:endParaRPr b="0" lang="en-US" sz="3200" spc="-1" strike="noStrike">
               <a:latin typeface="Arial"/>
             </a:endParaRPr>
           </a:p>
@@ -1926,8 +1866,8 @@
         </p:nvSpPr>
         <p:spPr>
           <a:xfrm>
-            <a:off x="4677840" y="1152360"/>
-            <a:ext cx="4157640" cy="1629360"/>
+            <a:off x="4677120" y="1152360"/>
+            <a:ext cx="4157280" cy="1629000"/>
           </a:xfrm>
           <a:prstGeom prst="rect">
             <a:avLst/>
@@ -1942,10 +1882,7 @@
             <a:normAutofit/>
           </a:bodyPr>
           <a:p>
-            <a:endParaRPr b="0" lang="en-US" sz="1400" spc="-1" strike="noStrike">
-              <a:solidFill>
-                <a:srgbClr val="000000"/>
-              </a:solidFill>
+            <a:endParaRPr b="0" lang="en-US" sz="3200" spc="-1" strike="noStrike">
               <a:latin typeface="Arial"/>
             </a:endParaRPr>
           </a:p>
@@ -1963,8 +1900,8 @@
         </p:nvSpPr>
         <p:spPr>
           <a:xfrm>
-            <a:off x="311760" y="2936880"/>
-            <a:ext cx="8520120" cy="1629360"/>
+            <a:off x="311760" y="2936520"/>
+            <a:ext cx="8519760" cy="1629000"/>
           </a:xfrm>
           <a:prstGeom prst="rect">
             <a:avLst/>
@@ -1979,10 +1916,7 @@
             <a:normAutofit/>
           </a:bodyPr>
           <a:p>
-            <a:endParaRPr b="0" lang="en-US" sz="1400" spc="-1" strike="noStrike">
-              <a:solidFill>
-                <a:srgbClr val="000000"/>
-              </a:solidFill>
+            <a:endParaRPr b="0" lang="en-US" sz="3200" spc="-1" strike="noStrike">
               <a:latin typeface="Arial"/>
             </a:endParaRPr>
           </a:p>
@@ -2002,7 +1936,7 @@
         <p:txBody>
           <a:bodyPr/>
           <a:p>
-            <a:fld id="{19803EEA-652C-44C2-8A54-9F4A8165CE5A}" type="slidenum">
+            <a:fld id="{B743DCB2-BE23-4ECF-856F-2F230914E3E4}" type="slidenum">
               <a:t>&lt;#&gt;</a:t>
             </a:fld>
           </a:p>
@@ -2042,8 +1976,8 @@
         </p:nvSpPr>
         <p:spPr>
           <a:xfrm>
-            <a:off x="311760" y="444960"/>
-            <a:ext cx="8520120" cy="572400"/>
+            <a:off x="311760" y="418320"/>
+            <a:ext cx="8519760" cy="625320"/>
           </a:xfrm>
           <a:prstGeom prst="rect">
             <a:avLst/>
@@ -2058,10 +1992,10 @@
             <a:noAutofit/>
           </a:bodyPr>
           <a:p>
-            <a:endParaRPr b="0" lang="en-US" sz="1400" spc="-1" strike="noStrike">
-              <a:solidFill>
-                <a:srgbClr val="000000"/>
-              </a:solidFill>
+            <a:pPr algn="ctr">
+              <a:buNone/>
+            </a:pPr>
+            <a:endParaRPr b="0" lang="en-US" sz="4400" spc="-1" strike="noStrike">
               <a:latin typeface="Arial"/>
             </a:endParaRPr>
           </a:p>
@@ -2080,7 +2014,7 @@
         <p:spPr>
           <a:xfrm>
             <a:off x="311760" y="1152360"/>
-            <a:ext cx="8520120" cy="1629360"/>
+            <a:ext cx="8519760" cy="1629000"/>
           </a:xfrm>
           <a:prstGeom prst="rect">
             <a:avLst/>
@@ -2095,10 +2029,7 @@
             <a:normAutofit/>
           </a:bodyPr>
           <a:p>
-            <a:endParaRPr b="0" lang="en-US" sz="1400" spc="-1" strike="noStrike">
-              <a:solidFill>
-                <a:srgbClr val="000000"/>
-              </a:solidFill>
+            <a:endParaRPr b="0" lang="en-US" sz="3200" spc="-1" strike="noStrike">
               <a:latin typeface="Arial"/>
             </a:endParaRPr>
           </a:p>
@@ -2116,8 +2047,8 @@
         </p:nvSpPr>
         <p:spPr>
           <a:xfrm>
-            <a:off x="311760" y="2936880"/>
-            <a:ext cx="8520120" cy="1629360"/>
+            <a:off x="311760" y="2936520"/>
+            <a:ext cx="8519760" cy="1629000"/>
           </a:xfrm>
           <a:prstGeom prst="rect">
             <a:avLst/>
@@ -2132,10 +2063,7 @@
             <a:normAutofit/>
           </a:bodyPr>
           <a:p>
-            <a:endParaRPr b="0" lang="en-US" sz="1400" spc="-1" strike="noStrike">
-              <a:solidFill>
-                <a:srgbClr val="000000"/>
-              </a:solidFill>
+            <a:endParaRPr b="0" lang="en-US" sz="3200" spc="-1" strike="noStrike">
               <a:latin typeface="Arial"/>
             </a:endParaRPr>
           </a:p>
@@ -2155,7 +2083,7 @@
         <p:txBody>
           <a:bodyPr/>
           <a:p>
-            <a:fld id="{EB9EA4A7-EE05-42C0-AACA-B710E87F1287}" type="slidenum">
+            <a:fld id="{263403F6-A3ED-4FA0-95D1-649043D87EE6}" type="slidenum">
               <a:t>&lt;#&gt;</a:t>
             </a:fld>
           </a:p>
@@ -2195,8 +2123,8 @@
         </p:nvSpPr>
         <p:spPr>
           <a:xfrm>
-            <a:off x="311760" y="444960"/>
-            <a:ext cx="8520120" cy="572400"/>
+            <a:off x="311760" y="418320"/>
+            <a:ext cx="8519760" cy="625320"/>
           </a:xfrm>
           <a:prstGeom prst="rect">
             <a:avLst/>
@@ -2211,10 +2139,10 @@
             <a:noAutofit/>
           </a:bodyPr>
           <a:p>
-            <a:endParaRPr b="0" lang="en-US" sz="1400" spc="-1" strike="noStrike">
-              <a:solidFill>
-                <a:srgbClr val="000000"/>
-              </a:solidFill>
+            <a:pPr algn="ctr">
+              <a:buNone/>
+            </a:pPr>
+            <a:endParaRPr b="0" lang="en-US" sz="4400" spc="-1" strike="noStrike">
               <a:latin typeface="Arial"/>
             </a:endParaRPr>
           </a:p>
@@ -2233,7 +2161,7 @@
         <p:spPr>
           <a:xfrm>
             <a:off x="311760" y="1152360"/>
-            <a:ext cx="4157640" cy="1629360"/>
+            <a:ext cx="4157280" cy="1629000"/>
           </a:xfrm>
           <a:prstGeom prst="rect">
             <a:avLst/>
@@ -2248,10 +2176,7 @@
             <a:normAutofit/>
           </a:bodyPr>
           <a:p>
-            <a:endParaRPr b="0" lang="en-US" sz="1400" spc="-1" strike="noStrike">
-              <a:solidFill>
-                <a:srgbClr val="000000"/>
-              </a:solidFill>
+            <a:endParaRPr b="0" lang="en-US" sz="3200" spc="-1" strike="noStrike">
               <a:latin typeface="Arial"/>
             </a:endParaRPr>
           </a:p>
@@ -2269,8 +2194,8 @@
         </p:nvSpPr>
         <p:spPr>
           <a:xfrm>
-            <a:off x="4677840" y="1152360"/>
-            <a:ext cx="4157640" cy="1629360"/>
+            <a:off x="4677120" y="1152360"/>
+            <a:ext cx="4157280" cy="1629000"/>
           </a:xfrm>
           <a:prstGeom prst="rect">
             <a:avLst/>
@@ -2285,10 +2210,7 @@
             <a:normAutofit/>
           </a:bodyPr>
           <a:p>
-            <a:endParaRPr b="0" lang="en-US" sz="1400" spc="-1" strike="noStrike">
-              <a:solidFill>
-                <a:srgbClr val="000000"/>
-              </a:solidFill>
+            <a:endParaRPr b="0" lang="en-US" sz="3200" spc="-1" strike="noStrike">
               <a:latin typeface="Arial"/>
             </a:endParaRPr>
           </a:p>
@@ -2306,8 +2228,8 @@
         </p:nvSpPr>
         <p:spPr>
           <a:xfrm>
-            <a:off x="311760" y="2936880"/>
-            <a:ext cx="4157640" cy="1629360"/>
+            <a:off x="311760" y="2936520"/>
+            <a:ext cx="4157280" cy="1629000"/>
           </a:xfrm>
           <a:prstGeom prst="rect">
             <a:avLst/>
@@ -2322,10 +2244,7 @@
             <a:normAutofit/>
           </a:bodyPr>
           <a:p>
-            <a:endParaRPr b="0" lang="en-US" sz="1400" spc="-1" strike="noStrike">
-              <a:solidFill>
-                <a:srgbClr val="000000"/>
-              </a:solidFill>
+            <a:endParaRPr b="0" lang="en-US" sz="3200" spc="-1" strike="noStrike">
               <a:latin typeface="Arial"/>
             </a:endParaRPr>
           </a:p>
@@ -2343,8 +2262,8 @@
         </p:nvSpPr>
         <p:spPr>
           <a:xfrm>
-            <a:off x="4677840" y="2936880"/>
-            <a:ext cx="4157640" cy="1629360"/>
+            <a:off x="4677120" y="2936520"/>
+            <a:ext cx="4157280" cy="1629000"/>
           </a:xfrm>
           <a:prstGeom prst="rect">
             <a:avLst/>
@@ -2359,10 +2278,7 @@
             <a:normAutofit/>
           </a:bodyPr>
           <a:p>
-            <a:endParaRPr b="0" lang="en-US" sz="1400" spc="-1" strike="noStrike">
-              <a:solidFill>
-                <a:srgbClr val="000000"/>
-              </a:solidFill>
+            <a:endParaRPr b="0" lang="en-US" sz="3200" spc="-1" strike="noStrike">
               <a:latin typeface="Arial"/>
             </a:endParaRPr>
           </a:p>
@@ -2382,7 +2298,7 @@
         <p:txBody>
           <a:bodyPr/>
           <a:p>
-            <a:fld id="{CE44891A-FA17-480F-B986-05E5FE0A0417}" type="slidenum">
+            <a:fld id="{4A7CB534-A2BE-4D63-9A58-247C7603D9A3}" type="slidenum">
               <a:t>&lt;#&gt;</a:t>
             </a:fld>
           </a:p>
@@ -2422,8 +2338,8 @@
         </p:nvSpPr>
         <p:spPr>
           <a:xfrm>
-            <a:off x="311760" y="444960"/>
-            <a:ext cx="8520120" cy="572400"/>
+            <a:off x="311760" y="418320"/>
+            <a:ext cx="8519760" cy="625320"/>
           </a:xfrm>
           <a:prstGeom prst="rect">
             <a:avLst/>
@@ -2438,10 +2354,10 @@
             <a:noAutofit/>
           </a:bodyPr>
           <a:p>
-            <a:endParaRPr b="0" lang="en-US" sz="1400" spc="-1" strike="noStrike">
-              <a:solidFill>
-                <a:srgbClr val="000000"/>
-              </a:solidFill>
+            <a:pPr algn="ctr">
+              <a:buNone/>
+            </a:pPr>
+            <a:endParaRPr b="0" lang="en-US" sz="4400" spc="-1" strike="noStrike">
               <a:latin typeface="Arial"/>
             </a:endParaRPr>
           </a:p>
@@ -2460,7 +2376,7 @@
         <p:spPr>
           <a:xfrm>
             <a:off x="311760" y="1152360"/>
-            <a:ext cx="2743200" cy="1629360"/>
+            <a:ext cx="2743200" cy="1629000"/>
           </a:xfrm>
           <a:prstGeom prst="rect">
             <a:avLst/>
@@ -2475,10 +2391,7 @@
             <a:normAutofit/>
           </a:bodyPr>
           <a:p>
-            <a:endParaRPr b="0" lang="en-US" sz="1400" spc="-1" strike="noStrike">
-              <a:solidFill>
-                <a:srgbClr val="000000"/>
-              </a:solidFill>
+            <a:endParaRPr b="0" lang="en-US" sz="3200" spc="-1" strike="noStrike">
               <a:latin typeface="Arial"/>
             </a:endParaRPr>
           </a:p>
@@ -2497,7 +2410,7 @@
         <p:spPr>
           <a:xfrm>
             <a:off x="3192480" y="1152360"/>
-            <a:ext cx="2743200" cy="1629360"/>
+            <a:ext cx="2743200" cy="1629000"/>
           </a:xfrm>
           <a:prstGeom prst="rect">
             <a:avLst/>
@@ -2512,10 +2425,7 @@
             <a:normAutofit/>
           </a:bodyPr>
           <a:p>
-            <a:endParaRPr b="0" lang="en-US" sz="1400" spc="-1" strike="noStrike">
-              <a:solidFill>
-                <a:srgbClr val="000000"/>
-              </a:solidFill>
+            <a:endParaRPr b="0" lang="en-US" sz="3200" spc="-1" strike="noStrike">
               <a:latin typeface="Arial"/>
             </a:endParaRPr>
           </a:p>
@@ -2534,7 +2444,7 @@
         <p:spPr>
           <a:xfrm>
             <a:off x="6073200" y="1152360"/>
-            <a:ext cx="2743200" cy="1629360"/>
+            <a:ext cx="2743200" cy="1629000"/>
           </a:xfrm>
           <a:prstGeom prst="rect">
             <a:avLst/>
@@ -2549,10 +2459,7 @@
             <a:normAutofit/>
           </a:bodyPr>
           <a:p>
-            <a:endParaRPr b="0" lang="en-US" sz="1400" spc="-1" strike="noStrike">
-              <a:solidFill>
-                <a:srgbClr val="000000"/>
-              </a:solidFill>
+            <a:endParaRPr b="0" lang="en-US" sz="3200" spc="-1" strike="noStrike">
               <a:latin typeface="Arial"/>
             </a:endParaRPr>
           </a:p>
@@ -2570,8 +2477,8 @@
         </p:nvSpPr>
         <p:spPr>
           <a:xfrm>
-            <a:off x="311760" y="2936880"/>
-            <a:ext cx="2743200" cy="1629360"/>
+            <a:off x="311760" y="2936520"/>
+            <a:ext cx="2743200" cy="1629000"/>
           </a:xfrm>
           <a:prstGeom prst="rect">
             <a:avLst/>
@@ -2586,10 +2493,7 @@
             <a:normAutofit/>
           </a:bodyPr>
           <a:p>
-            <a:endParaRPr b="0" lang="en-US" sz="1400" spc="-1" strike="noStrike">
-              <a:solidFill>
-                <a:srgbClr val="000000"/>
-              </a:solidFill>
+            <a:endParaRPr b="0" lang="en-US" sz="3200" spc="-1" strike="noStrike">
               <a:latin typeface="Arial"/>
             </a:endParaRPr>
           </a:p>
@@ -2607,8 +2511,8 @@
         </p:nvSpPr>
         <p:spPr>
           <a:xfrm>
-            <a:off x="3192480" y="2936880"/>
-            <a:ext cx="2743200" cy="1629360"/>
+            <a:off x="3192480" y="2936520"/>
+            <a:ext cx="2743200" cy="1629000"/>
           </a:xfrm>
           <a:prstGeom prst="rect">
             <a:avLst/>
@@ -2623,10 +2527,7 @@
             <a:normAutofit/>
           </a:bodyPr>
           <a:p>
-            <a:endParaRPr b="0" lang="en-US" sz="1400" spc="-1" strike="noStrike">
-              <a:solidFill>
-                <a:srgbClr val="000000"/>
-              </a:solidFill>
+            <a:endParaRPr b="0" lang="en-US" sz="3200" spc="-1" strike="noStrike">
               <a:latin typeface="Arial"/>
             </a:endParaRPr>
           </a:p>
@@ -2644,8 +2545,8 @@
         </p:nvSpPr>
         <p:spPr>
           <a:xfrm>
-            <a:off x="6073200" y="2936880"/>
-            <a:ext cx="2743200" cy="1629360"/>
+            <a:off x="6073200" y="2936520"/>
+            <a:ext cx="2743200" cy="1629000"/>
           </a:xfrm>
           <a:prstGeom prst="rect">
             <a:avLst/>
@@ -2660,10 +2561,7 @@
             <a:normAutofit/>
           </a:bodyPr>
           <a:p>
-            <a:endParaRPr b="0" lang="en-US" sz="1400" spc="-1" strike="noStrike">
-              <a:solidFill>
-                <a:srgbClr val="000000"/>
-              </a:solidFill>
+            <a:endParaRPr b="0" lang="en-US" sz="3200" spc="-1" strike="noStrike">
               <a:latin typeface="Arial"/>
             </a:endParaRPr>
           </a:p>
@@ -2683,7 +2581,7 @@
         <p:txBody>
           <a:bodyPr/>
           <a:p>
-            <a:fld id="{24036A5B-8FAE-43FF-A531-4B278B1204BE}" type="slidenum">
+            <a:fld id="{31F8AFC1-35D8-4C31-A532-FA396E039537}" type="slidenum">
               <a:t>&lt;#&gt;</a:t>
             </a:fld>
           </a:p>
@@ -2723,8 +2621,8 @@
         </p:nvSpPr>
         <p:spPr>
           <a:xfrm>
-            <a:off x="311760" y="444960"/>
-            <a:ext cx="8520120" cy="572400"/>
+            <a:off x="311760" y="418320"/>
+            <a:ext cx="8519760" cy="625320"/>
           </a:xfrm>
           <a:prstGeom prst="rect">
             <a:avLst/>
@@ -2739,10 +2637,10 @@
             <a:noAutofit/>
           </a:bodyPr>
           <a:p>
-            <a:endParaRPr b="0" lang="en-US" sz="1400" spc="-1" strike="noStrike">
-              <a:solidFill>
-                <a:srgbClr val="000000"/>
-              </a:solidFill>
+            <a:pPr algn="ctr">
+              <a:buNone/>
+            </a:pPr>
+            <a:endParaRPr b="0" lang="en-US" sz="4400" spc="-1" strike="noStrike">
               <a:latin typeface="Arial"/>
             </a:endParaRPr>
           </a:p>
@@ -2761,7 +2659,7 @@
         <p:spPr>
           <a:xfrm>
             <a:off x="311760" y="1152360"/>
-            <a:ext cx="8520120" cy="3416040"/>
+            <a:ext cx="8519760" cy="3415680"/>
           </a:xfrm>
           <a:prstGeom prst="rect">
             <a:avLst/>
@@ -2776,10 +2674,7 @@
             <a:normAutofit/>
           </a:bodyPr>
           <a:p>
-            <a:endParaRPr b="0" lang="en-US" sz="1400" spc="-1" strike="noStrike">
-              <a:solidFill>
-                <a:srgbClr val="000000"/>
-              </a:solidFill>
+            <a:endParaRPr b="0" lang="en-US" sz="3200" spc="-1" strike="noStrike">
               <a:latin typeface="Arial"/>
             </a:endParaRPr>
           </a:p>
@@ -2799,7 +2694,7 @@
         <p:txBody>
           <a:bodyPr/>
           <a:p>
-            <a:fld id="{57BC23DA-F25A-4077-83AB-6BCB668FF770}" type="slidenum">
+            <a:fld id="{1AB05181-8A12-41DC-8D13-712CD5A3F712}" type="slidenum">
               <a:t>&lt;#&gt;</a:t>
             </a:fld>
           </a:p>
@@ -2839,8 +2734,8 @@
         </p:nvSpPr>
         <p:spPr>
           <a:xfrm>
-            <a:off x="311760" y="444960"/>
-            <a:ext cx="8520120" cy="572400"/>
+            <a:off x="311760" y="418320"/>
+            <a:ext cx="8519760" cy="625320"/>
           </a:xfrm>
           <a:prstGeom prst="rect">
             <a:avLst/>
@@ -2855,10 +2750,10 @@
             <a:noAutofit/>
           </a:bodyPr>
           <a:p>
-            <a:endParaRPr b="0" lang="en-US" sz="1400" spc="-1" strike="noStrike">
-              <a:solidFill>
-                <a:srgbClr val="000000"/>
-              </a:solidFill>
+            <a:pPr algn="ctr">
+              <a:buNone/>
+            </a:pPr>
+            <a:endParaRPr b="0" lang="en-US" sz="4400" spc="-1" strike="noStrike">
               <a:latin typeface="Arial"/>
             </a:endParaRPr>
           </a:p>
@@ -2877,7 +2772,7 @@
         <p:spPr>
           <a:xfrm>
             <a:off x="311760" y="1152360"/>
-            <a:ext cx="4157640" cy="3416040"/>
+            <a:ext cx="4157280" cy="3415680"/>
           </a:xfrm>
           <a:prstGeom prst="rect">
             <a:avLst/>
@@ -2892,10 +2787,7 @@
             <a:normAutofit/>
           </a:bodyPr>
           <a:p>
-            <a:endParaRPr b="0" lang="en-US" sz="1400" spc="-1" strike="noStrike">
-              <a:solidFill>
-                <a:srgbClr val="000000"/>
-              </a:solidFill>
+            <a:endParaRPr b="0" lang="en-US" sz="3200" spc="-1" strike="noStrike">
               <a:latin typeface="Arial"/>
             </a:endParaRPr>
           </a:p>
@@ -2913,8 +2805,8 @@
         </p:nvSpPr>
         <p:spPr>
           <a:xfrm>
-            <a:off x="4677840" y="1152360"/>
-            <a:ext cx="4157640" cy="3416040"/>
+            <a:off x="4677120" y="1152360"/>
+            <a:ext cx="4157280" cy="3415680"/>
           </a:xfrm>
           <a:prstGeom prst="rect">
             <a:avLst/>
@@ -2929,10 +2821,7 @@
             <a:normAutofit/>
           </a:bodyPr>
           <a:p>
-            <a:endParaRPr b="0" lang="en-US" sz="1400" spc="-1" strike="noStrike">
-              <a:solidFill>
-                <a:srgbClr val="000000"/>
-              </a:solidFill>
+            <a:endParaRPr b="0" lang="en-US" sz="3200" spc="-1" strike="noStrike">
               <a:latin typeface="Arial"/>
             </a:endParaRPr>
           </a:p>
@@ -2952,7 +2841,7 @@
         <p:txBody>
           <a:bodyPr/>
           <a:p>
-            <a:fld id="{A3F816F7-B446-4167-8395-98878610201B}" type="slidenum">
+            <a:fld id="{245E5C1E-05D3-45CA-9671-E39E63AC8836}" type="slidenum">
               <a:t>&lt;#&gt;</a:t>
             </a:fld>
           </a:p>
@@ -2992,8 +2881,8 @@
         </p:nvSpPr>
         <p:spPr>
           <a:xfrm>
-            <a:off x="311760" y="444960"/>
-            <a:ext cx="8520120" cy="572400"/>
+            <a:off x="311760" y="418320"/>
+            <a:ext cx="8519760" cy="625320"/>
           </a:xfrm>
           <a:prstGeom prst="rect">
             <a:avLst/>
@@ -3008,10 +2897,10 @@
             <a:noAutofit/>
           </a:bodyPr>
           <a:p>
-            <a:endParaRPr b="0" lang="en-US" sz="1400" spc="-1" strike="noStrike">
-              <a:solidFill>
-                <a:srgbClr val="000000"/>
-              </a:solidFill>
+            <a:pPr algn="ctr">
+              <a:buNone/>
+            </a:pPr>
+            <a:endParaRPr b="0" lang="en-US" sz="4400" spc="-1" strike="noStrike">
               <a:latin typeface="Arial"/>
             </a:endParaRPr>
           </a:p>
@@ -3031,7 +2920,7 @@
         <p:txBody>
           <a:bodyPr/>
           <a:p>
-            <a:fld id="{AC388E4D-6BDA-40EF-8E4A-349E0E4636FC}" type="slidenum">
+            <a:fld id="{1E100F1E-ADDE-4869-A400-B13E6B2F973B}" type="slidenum">
               <a:t>&lt;#&gt;</a:t>
             </a:fld>
           </a:p>
@@ -3072,7 +2961,7 @@
         <p:spPr>
           <a:xfrm>
             <a:off x="311760" y="444960"/>
-            <a:ext cx="8520120" cy="2654640"/>
+            <a:ext cx="8519760" cy="2652840"/>
           </a:xfrm>
           <a:prstGeom prst="rect">
             <a:avLst/>
@@ -3110,7 +2999,7 @@
         <p:txBody>
           <a:bodyPr/>
           <a:p>
-            <a:fld id="{E845D03D-BDA9-4DB6-9849-E439317351C8}" type="slidenum">
+            <a:fld id="{465C2D48-6460-47E9-A295-935B40AEBDF1}" type="slidenum">
               <a:t>&lt;#&gt;</a:t>
             </a:fld>
           </a:p>
@@ -3150,8 +3039,8 @@
         </p:nvSpPr>
         <p:spPr>
           <a:xfrm>
-            <a:off x="311760" y="444960"/>
-            <a:ext cx="8520120" cy="572400"/>
+            <a:off x="311760" y="418320"/>
+            <a:ext cx="8519760" cy="625320"/>
           </a:xfrm>
           <a:prstGeom prst="rect">
             <a:avLst/>
@@ -3166,10 +3055,10 @@
             <a:noAutofit/>
           </a:bodyPr>
           <a:p>
-            <a:endParaRPr b="0" lang="en-US" sz="1400" spc="-1" strike="noStrike">
-              <a:solidFill>
-                <a:srgbClr val="000000"/>
-              </a:solidFill>
+            <a:pPr algn="ctr">
+              <a:buNone/>
+            </a:pPr>
+            <a:endParaRPr b="0" lang="en-US" sz="4400" spc="-1" strike="noStrike">
               <a:latin typeface="Arial"/>
             </a:endParaRPr>
           </a:p>
@@ -3188,7 +3077,7 @@
         <p:spPr>
           <a:xfrm>
             <a:off x="311760" y="1152360"/>
-            <a:ext cx="4157640" cy="1629360"/>
+            <a:ext cx="4157280" cy="1629000"/>
           </a:xfrm>
           <a:prstGeom prst="rect">
             <a:avLst/>
@@ -3203,10 +3092,7 @@
             <a:normAutofit/>
           </a:bodyPr>
           <a:p>
-            <a:endParaRPr b="0" lang="en-US" sz="1400" spc="-1" strike="noStrike">
-              <a:solidFill>
-                <a:srgbClr val="000000"/>
-              </a:solidFill>
+            <a:endParaRPr b="0" lang="en-US" sz="3200" spc="-1" strike="noStrike">
               <a:latin typeface="Arial"/>
             </a:endParaRPr>
           </a:p>
@@ -3224,8 +3110,8 @@
         </p:nvSpPr>
         <p:spPr>
           <a:xfrm>
-            <a:off x="4677840" y="1152360"/>
-            <a:ext cx="4157640" cy="3416040"/>
+            <a:off x="4677120" y="1152360"/>
+            <a:ext cx="4157280" cy="3415680"/>
           </a:xfrm>
           <a:prstGeom prst="rect">
             <a:avLst/>
@@ -3240,10 +3126,7 @@
             <a:normAutofit/>
           </a:bodyPr>
           <a:p>
-            <a:endParaRPr b="0" lang="en-US" sz="1400" spc="-1" strike="noStrike">
-              <a:solidFill>
-                <a:srgbClr val="000000"/>
-              </a:solidFill>
+            <a:endParaRPr b="0" lang="en-US" sz="3200" spc="-1" strike="noStrike">
               <a:latin typeface="Arial"/>
             </a:endParaRPr>
           </a:p>
@@ -3261,8 +3144,8 @@
         </p:nvSpPr>
         <p:spPr>
           <a:xfrm>
-            <a:off x="311760" y="2936880"/>
-            <a:ext cx="4157640" cy="1629360"/>
+            <a:off x="311760" y="2936520"/>
+            <a:ext cx="4157280" cy="1629000"/>
           </a:xfrm>
           <a:prstGeom prst="rect">
             <a:avLst/>
@@ -3277,10 +3160,7 @@
             <a:normAutofit/>
           </a:bodyPr>
           <a:p>
-            <a:endParaRPr b="0" lang="en-US" sz="1400" spc="-1" strike="noStrike">
-              <a:solidFill>
-                <a:srgbClr val="000000"/>
-              </a:solidFill>
+            <a:endParaRPr b="0" lang="en-US" sz="3200" spc="-1" strike="noStrike">
               <a:latin typeface="Arial"/>
             </a:endParaRPr>
           </a:p>
@@ -3300,7 +3180,7 @@
         <p:txBody>
           <a:bodyPr/>
           <a:p>
-            <a:fld id="{C9652126-65EF-4B85-B1D5-E0FB3C593F88}" type="slidenum">
+            <a:fld id="{5F023E1F-88FD-4D0A-B5A4-ADA5F41085FC}" type="slidenum">
               <a:t>&lt;#&gt;</a:t>
             </a:fld>
           </a:p>
@@ -3340,8 +3220,8 @@
         </p:nvSpPr>
         <p:spPr>
           <a:xfrm>
-            <a:off x="311760" y="444960"/>
-            <a:ext cx="8520120" cy="572400"/>
+            <a:off x="311760" y="418320"/>
+            <a:ext cx="8519760" cy="625320"/>
           </a:xfrm>
           <a:prstGeom prst="rect">
             <a:avLst/>
@@ -3356,10 +3236,10 @@
             <a:noAutofit/>
           </a:bodyPr>
           <a:p>
-            <a:endParaRPr b="0" lang="en-US" sz="1400" spc="-1" strike="noStrike">
-              <a:solidFill>
-                <a:srgbClr val="000000"/>
-              </a:solidFill>
+            <a:pPr algn="ctr">
+              <a:buNone/>
+            </a:pPr>
+            <a:endParaRPr b="0" lang="en-US" sz="4400" spc="-1" strike="noStrike">
               <a:latin typeface="Arial"/>
             </a:endParaRPr>
           </a:p>
@@ -3378,7 +3258,7 @@
         <p:spPr>
           <a:xfrm>
             <a:off x="311760" y="1152360"/>
-            <a:ext cx="4157640" cy="3416040"/>
+            <a:ext cx="4157280" cy="3415680"/>
           </a:xfrm>
           <a:prstGeom prst="rect">
             <a:avLst/>
@@ -3393,10 +3273,7 @@
             <a:normAutofit/>
           </a:bodyPr>
           <a:p>
-            <a:endParaRPr b="0" lang="en-US" sz="1400" spc="-1" strike="noStrike">
-              <a:solidFill>
-                <a:srgbClr val="000000"/>
-              </a:solidFill>
+            <a:endParaRPr b="0" lang="en-US" sz="3200" spc="-1" strike="noStrike">
               <a:latin typeface="Arial"/>
             </a:endParaRPr>
           </a:p>
@@ -3414,8 +3291,8 @@
         </p:nvSpPr>
         <p:spPr>
           <a:xfrm>
-            <a:off x="4677840" y="1152360"/>
-            <a:ext cx="4157640" cy="1629360"/>
+            <a:off x="4677120" y="1152360"/>
+            <a:ext cx="4157280" cy="1629000"/>
           </a:xfrm>
           <a:prstGeom prst="rect">
             <a:avLst/>
@@ -3430,10 +3307,7 @@
             <a:normAutofit/>
           </a:bodyPr>
           <a:p>
-            <a:endParaRPr b="0" lang="en-US" sz="1400" spc="-1" strike="noStrike">
-              <a:solidFill>
-                <a:srgbClr val="000000"/>
-              </a:solidFill>
+            <a:endParaRPr b="0" lang="en-US" sz="3200" spc="-1" strike="noStrike">
               <a:latin typeface="Arial"/>
             </a:endParaRPr>
           </a:p>
@@ -3451,8 +3325,8 @@
         </p:nvSpPr>
         <p:spPr>
           <a:xfrm>
-            <a:off x="4677840" y="2936880"/>
-            <a:ext cx="4157640" cy="1629360"/>
+            <a:off x="4677120" y="2936520"/>
+            <a:ext cx="4157280" cy="1629000"/>
           </a:xfrm>
           <a:prstGeom prst="rect">
             <a:avLst/>
@@ -3467,10 +3341,7 @@
             <a:normAutofit/>
           </a:bodyPr>
           <a:p>
-            <a:endParaRPr b="0" lang="en-US" sz="1400" spc="-1" strike="noStrike">
-              <a:solidFill>
-                <a:srgbClr val="000000"/>
-              </a:solidFill>
+            <a:endParaRPr b="0" lang="en-US" sz="3200" spc="-1" strike="noStrike">
               <a:latin typeface="Arial"/>
             </a:endParaRPr>
           </a:p>
@@ -3490,7 +3361,7 @@
         <p:txBody>
           <a:bodyPr/>
           <a:p>
-            <a:fld id="{DA22AAD0-BCC6-4B7C-95FC-CAEF0EECAE7C}" type="slidenum">
+            <a:fld id="{B6FE54DD-02EB-49EE-A381-9F2A7B99AA0B}" type="slidenum">
               <a:t>&lt;#&gt;</a:t>
             </a:fld>
           </a:p>
@@ -3530,8 +3401,8 @@
         </p:nvSpPr>
         <p:spPr>
           <a:xfrm>
-            <a:off x="311760" y="444960"/>
-            <a:ext cx="8520120" cy="572400"/>
+            <a:off x="311760" y="418320"/>
+            <a:ext cx="8519760" cy="625320"/>
           </a:xfrm>
           <a:prstGeom prst="rect">
             <a:avLst/>
@@ -3546,10 +3417,10 @@
             <a:noAutofit/>
           </a:bodyPr>
           <a:p>
-            <a:endParaRPr b="0" lang="en-US" sz="1400" spc="-1" strike="noStrike">
-              <a:solidFill>
-                <a:srgbClr val="000000"/>
-              </a:solidFill>
+            <a:pPr algn="ctr">
+              <a:buNone/>
+            </a:pPr>
+            <a:endParaRPr b="0" lang="en-US" sz="4400" spc="-1" strike="noStrike">
               <a:latin typeface="Arial"/>
             </a:endParaRPr>
           </a:p>
@@ -3568,7 +3439,7 @@
         <p:spPr>
           <a:xfrm>
             <a:off x="311760" y="1152360"/>
-            <a:ext cx="4157640" cy="1629360"/>
+            <a:ext cx="4157280" cy="1629000"/>
           </a:xfrm>
           <a:prstGeom prst="rect">
             <a:avLst/>
@@ -3583,10 +3454,7 @@
             <a:normAutofit/>
           </a:bodyPr>
           <a:p>
-            <a:endParaRPr b="0" lang="en-US" sz="1400" spc="-1" strike="noStrike">
-              <a:solidFill>
-                <a:srgbClr val="000000"/>
-              </a:solidFill>
+            <a:endParaRPr b="0" lang="en-US" sz="3200" spc="-1" strike="noStrike">
               <a:latin typeface="Arial"/>
             </a:endParaRPr>
           </a:p>
@@ -3604,8 +3472,8 @@
         </p:nvSpPr>
         <p:spPr>
           <a:xfrm>
-            <a:off x="4677840" y="1152360"/>
-            <a:ext cx="4157640" cy="1629360"/>
+            <a:off x="4677120" y="1152360"/>
+            <a:ext cx="4157280" cy="1629000"/>
           </a:xfrm>
           <a:prstGeom prst="rect">
             <a:avLst/>
@@ -3620,10 +3488,7 @@
             <a:normAutofit/>
           </a:bodyPr>
           <a:p>
-            <a:endParaRPr b="0" lang="en-US" sz="1400" spc="-1" strike="noStrike">
-              <a:solidFill>
-                <a:srgbClr val="000000"/>
-              </a:solidFill>
+            <a:endParaRPr b="0" lang="en-US" sz="3200" spc="-1" strike="noStrike">
               <a:latin typeface="Arial"/>
             </a:endParaRPr>
           </a:p>
@@ -3641,8 +3506,8 @@
         </p:nvSpPr>
         <p:spPr>
           <a:xfrm>
-            <a:off x="311760" y="2936880"/>
-            <a:ext cx="8520120" cy="1629360"/>
+            <a:off x="311760" y="2936520"/>
+            <a:ext cx="8519760" cy="1629000"/>
           </a:xfrm>
           <a:prstGeom prst="rect">
             <a:avLst/>
@@ -3657,10 +3522,7 @@
             <a:normAutofit/>
           </a:bodyPr>
           <a:p>
-            <a:endParaRPr b="0" lang="en-US" sz="1400" spc="-1" strike="noStrike">
-              <a:solidFill>
-                <a:srgbClr val="000000"/>
-              </a:solidFill>
+            <a:endParaRPr b="0" lang="en-US" sz="3200" spc="-1" strike="noStrike">
               <a:latin typeface="Arial"/>
             </a:endParaRPr>
           </a:p>
@@ -3680,7 +3542,7 @@
         <p:txBody>
           <a:bodyPr/>
           <a:p>
-            <a:fld id="{4E23695A-276D-457A-B4BC-B862C5F56957}" type="slidenum">
+            <a:fld id="{D7CEACAF-4CB8-4B48-8FEF-0D787EC520A7}" type="slidenum">
               <a:t>&lt;#&gt;</a:t>
             </a:fld>
           </a:p>
@@ -3727,44 +3589,29 @@
         </p:nvSpPr>
         <p:spPr>
           <a:xfrm>
-            <a:off x="311760" y="744480"/>
-            <a:ext cx="8520120" cy="2052360"/>
-          </a:xfrm>
-          <a:prstGeom prst="rect">
-            <a:avLst/>
-          </a:prstGeom>
-          <a:noFill/>
-          <a:ln w="0">
-            <a:noFill/>
-          </a:ln>
-        </p:spPr>
-        <p:txBody>
-          <a:bodyPr tIns="91440" bIns="91440" anchor="b">
+            <a:off x="311760" y="444960"/>
+            <a:ext cx="8519760" cy="572040"/>
+          </a:xfrm>
+          <a:prstGeom prst="rect">
+            <a:avLst/>
+          </a:prstGeom>
+          <a:noFill/>
+          <a:ln w="0">
+            <a:noFill/>
+          </a:ln>
+        </p:spPr>
+        <p:txBody>
+          <a:bodyPr lIns="0" rIns="0" tIns="0" bIns="0" anchor="ctr">
             <a:noAutofit/>
           </a:bodyPr>
           <a:p>
             <a:r>
-              <a:rPr b="0" lang="en-US" sz="5200" spc="-1" strike="noStrike">
-                <a:solidFill>
-                  <a:srgbClr val="000000"/>
-                </a:solidFill>
+              <a:rPr b="0" lang="en-US" sz="1800" spc="-1" strike="noStrike">
                 <a:latin typeface="Arial"/>
               </a:rPr>
-              <a:t>Click to edit the title text </a:t>
+              <a:t>Click to edit the title text format</a:t>
             </a:r>
-            <a:r>
-              <a:rPr b="0" lang="en-US" sz="5200" spc="-1" strike="noStrike">
-                <a:solidFill>
-                  <a:srgbClr val="000000"/>
-                </a:solidFill>
-                <a:latin typeface="Arial"/>
-              </a:rPr>
-              <a:t>format</a:t>
-            </a:r>
-            <a:endParaRPr b="0" lang="en-US" sz="5200" spc="-1" strike="noStrike">
-              <a:solidFill>
-                <a:srgbClr val="000000"/>
-              </a:solidFill>
+            <a:endParaRPr b="0" lang="en-US" sz="1800" spc="-1" strike="noStrike">
               <a:latin typeface="Arial"/>
             </a:endParaRPr>
           </a:p>
@@ -3783,18 +3630,18 @@
         <p:spPr>
           <a:xfrm>
             <a:off x="8472600" y="4663080"/>
-            <a:ext cx="548280" cy="393120"/>
-          </a:xfrm>
-          <a:prstGeom prst="rect">
-            <a:avLst/>
-          </a:prstGeom>
-          <a:noFill/>
-          <a:ln w="0">
-            <a:noFill/>
-          </a:ln>
-        </p:spPr>
-        <p:txBody>
-          <a:bodyPr tIns="91440" bIns="91440" anchor="ctr">
+            <a:ext cx="547920" cy="392760"/>
+          </a:xfrm>
+          <a:prstGeom prst="rect">
+            <a:avLst/>
+          </a:prstGeom>
+          <a:noFill/>
+          <a:ln w="0">
+            <a:noFill/>
+          </a:ln>
+        </p:spPr>
+        <p:txBody>
+          <a:bodyPr lIns="90000" rIns="90000" tIns="91440" bIns="91440" anchor="ctr">
             <a:noAutofit/>
           </a:bodyPr>
           <a:lstStyle>
@@ -3825,7 +3672,7 @@
                 <a:tab algn="l" pos="0"/>
               </a:tabLst>
             </a:pPr>
-            <a:fld id="{2F8BEDAE-52AA-4785-A3E9-73FF2C0DE66E}" type="slidenum">
+            <a:fld id="{C3497B3A-3A35-40EA-B354-139823A01D46}" type="slidenum">
               <a:rPr b="0" lang="en" sz="1000" spc="-1" strike="noStrike">
                 <a:solidFill>
                   <a:srgbClr val="595959"/>
@@ -3881,18 +3728,12 @@
               <a:buChar char=""/>
             </a:pPr>
             <a:r>
-              <a:rPr b="0" lang="en-US" sz="1400" spc="-1" strike="noStrike">
-                <a:solidFill>
-                  <a:srgbClr val="000000"/>
-                </a:solidFill>
+              <a:rPr b="0" lang="en-US" sz="3200" spc="-1" strike="noStrike">
                 <a:latin typeface="Arial"/>
               </a:rPr>
               <a:t>Click to edit the outline text format</a:t>
             </a:r>
-            <a:endParaRPr b="0" lang="en-US" sz="1400" spc="-1" strike="noStrike">
-              <a:solidFill>
-                <a:srgbClr val="000000"/>
-              </a:solidFill>
+            <a:endParaRPr b="0" lang="en-US" sz="3200" spc="-1" strike="noStrike">
               <a:latin typeface="Arial"/>
             </a:endParaRPr>
           </a:p>
@@ -3909,18 +3750,12 @@
               <a:buChar char=""/>
             </a:pPr>
             <a:r>
-              <a:rPr b="0" lang="en-US" sz="1400" spc="-1" strike="noStrike">
-                <a:solidFill>
-                  <a:srgbClr val="000000"/>
-                </a:solidFill>
+              <a:rPr b="0" lang="en-US" sz="2800" spc="-1" strike="noStrike">
                 <a:latin typeface="Arial"/>
               </a:rPr>
               <a:t>Second Outline Level</a:t>
             </a:r>
-            <a:endParaRPr b="0" lang="en-US" sz="1400" spc="-1" strike="noStrike">
-              <a:solidFill>
-                <a:srgbClr val="000000"/>
-              </a:solidFill>
+            <a:endParaRPr b="0" lang="en-US" sz="2800" spc="-1" strike="noStrike">
               <a:latin typeface="Arial"/>
             </a:endParaRPr>
           </a:p>
@@ -3937,18 +3772,12 @@
               <a:buChar char=""/>
             </a:pPr>
             <a:r>
-              <a:rPr b="0" lang="en-US" sz="1400" spc="-1" strike="noStrike">
-                <a:solidFill>
-                  <a:srgbClr val="000000"/>
-                </a:solidFill>
+              <a:rPr b="0" lang="en-US" sz="2400" spc="-1" strike="noStrike">
                 <a:latin typeface="Arial"/>
               </a:rPr>
               <a:t>Third Outline Level</a:t>
             </a:r>
-            <a:endParaRPr b="0" lang="en-US" sz="1400" spc="-1" strike="noStrike">
-              <a:solidFill>
-                <a:srgbClr val="000000"/>
-              </a:solidFill>
+            <a:endParaRPr b="0" lang="en-US" sz="2400" spc="-1" strike="noStrike">
               <a:latin typeface="Arial"/>
             </a:endParaRPr>
           </a:p>
@@ -3965,18 +3794,12 @@
               <a:buChar char=""/>
             </a:pPr>
             <a:r>
-              <a:rPr b="0" lang="en-US" sz="1400" spc="-1" strike="noStrike">
-                <a:solidFill>
-                  <a:srgbClr val="000000"/>
-                </a:solidFill>
+              <a:rPr b="0" lang="en-US" sz="2000" spc="-1" strike="noStrike">
                 <a:latin typeface="Arial"/>
               </a:rPr>
               <a:t>Fourth Outline Level</a:t>
             </a:r>
-            <a:endParaRPr b="0" lang="en-US" sz="1400" spc="-1" strike="noStrike">
-              <a:solidFill>
-                <a:srgbClr val="000000"/>
-              </a:solidFill>
+            <a:endParaRPr b="0" lang="en-US" sz="2000" spc="-1" strike="noStrike">
               <a:latin typeface="Arial"/>
             </a:endParaRPr>
           </a:p>
@@ -3994,17 +3817,11 @@
             </a:pPr>
             <a:r>
               <a:rPr b="0" lang="en-US" sz="2000" spc="-1" strike="noStrike">
-                <a:solidFill>
-                  <a:srgbClr val="000000"/>
-                </a:solidFill>
                 <a:latin typeface="Arial"/>
               </a:rPr>
               <a:t>Fifth Outline Level</a:t>
             </a:r>
             <a:endParaRPr b="0" lang="en-US" sz="2000" spc="-1" strike="noStrike">
-              <a:solidFill>
-                <a:srgbClr val="000000"/>
-              </a:solidFill>
               <a:latin typeface="Arial"/>
             </a:endParaRPr>
           </a:p>
@@ -4022,17 +3839,11 @@
             </a:pPr>
             <a:r>
               <a:rPr b="0" lang="en-US" sz="2000" spc="-1" strike="noStrike">
-                <a:solidFill>
-                  <a:srgbClr val="000000"/>
-                </a:solidFill>
                 <a:latin typeface="Arial"/>
               </a:rPr>
               <a:t>Sixth Outline Level</a:t>
             </a:r>
             <a:endParaRPr b="0" lang="en-US" sz="2000" spc="-1" strike="noStrike">
-              <a:solidFill>
-                <a:srgbClr val="000000"/>
-              </a:solidFill>
               <a:latin typeface="Arial"/>
             </a:endParaRPr>
           </a:p>
@@ -4050,17 +3861,11 @@
             </a:pPr>
             <a:r>
               <a:rPr b="0" lang="en-US" sz="2000" spc="-1" strike="noStrike">
-                <a:solidFill>
-                  <a:srgbClr val="000000"/>
-                </a:solidFill>
                 <a:latin typeface="Arial"/>
               </a:rPr>
               <a:t>Seventh Outline Level</a:t>
             </a:r>
             <a:endParaRPr b="0" lang="en-US" sz="2000" spc="-1" strike="noStrike">
-              <a:solidFill>
-                <a:srgbClr val="000000"/>
-              </a:solidFill>
               <a:latin typeface="Arial"/>
             </a:endParaRPr>
           </a:p>
@@ -4123,43 +3928,28 @@
         <p:spPr>
           <a:xfrm>
             <a:off x="311760" y="444960"/>
-            <a:ext cx="8520120" cy="572400"/>
-          </a:xfrm>
-          <a:prstGeom prst="rect">
-            <a:avLst/>
-          </a:prstGeom>
-          <a:noFill/>
-          <a:ln w="0">
-            <a:noFill/>
-          </a:ln>
-        </p:spPr>
-        <p:txBody>
-          <a:bodyPr tIns="91440" bIns="91440" anchor="t">
+            <a:ext cx="8519760" cy="572040"/>
+          </a:xfrm>
+          <a:prstGeom prst="rect">
+            <a:avLst/>
+          </a:prstGeom>
+          <a:noFill/>
+          <a:ln w="0">
+            <a:noFill/>
+          </a:ln>
+        </p:spPr>
+        <p:txBody>
+          <a:bodyPr lIns="0" rIns="0" tIns="0" bIns="0" anchor="ctr">
             <a:noAutofit/>
           </a:bodyPr>
           <a:p>
             <a:r>
-              <a:rPr b="0" lang="en-US" sz="2800" spc="-1" strike="noStrike">
-                <a:solidFill>
-                  <a:srgbClr val="000000"/>
-                </a:solidFill>
+              <a:rPr b="0" lang="en-US" sz="1800" spc="-1" strike="noStrike">
                 <a:latin typeface="Arial"/>
               </a:rPr>
-              <a:t>Click to edit the title text </a:t>
+              <a:t>Click to edit the title text format</a:t>
             </a:r>
-            <a:r>
-              <a:rPr b="0" lang="en-US" sz="2800" spc="-1" strike="noStrike">
-                <a:solidFill>
-                  <a:srgbClr val="000000"/>
-                </a:solidFill>
-                <a:latin typeface="Arial"/>
-              </a:rPr>
-              <a:t>format</a:t>
-            </a:r>
-            <a:endParaRPr b="0" lang="en-US" sz="2800" spc="-1" strike="noStrike">
-              <a:solidFill>
-                <a:srgbClr val="000000"/>
-              </a:solidFill>
+            <a:endParaRPr b="0" lang="en-US" sz="1800" spc="-1" strike="noStrike">
               <a:latin typeface="Arial"/>
             </a:endParaRPr>
           </a:p>
@@ -4178,19 +3968,19 @@
         <p:spPr>
           <a:xfrm>
             <a:off x="311760" y="1152360"/>
-            <a:ext cx="8520120" cy="3416040"/>
-          </a:xfrm>
-          <a:prstGeom prst="rect">
-            <a:avLst/>
-          </a:prstGeom>
-          <a:noFill/>
-          <a:ln w="0">
-            <a:noFill/>
-          </a:ln>
-        </p:spPr>
-        <p:txBody>
-          <a:bodyPr tIns="91440" bIns="91440" anchor="t">
-            <a:noAutofit/>
+            <a:ext cx="8519760" cy="3415680"/>
+          </a:xfrm>
+          <a:prstGeom prst="rect">
+            <a:avLst/>
+          </a:prstGeom>
+          <a:noFill/>
+          <a:ln w="0">
+            <a:noFill/>
+          </a:ln>
+        </p:spPr>
+        <p:txBody>
+          <a:bodyPr lIns="0" rIns="0" tIns="0" bIns="0" anchor="t">
+            <a:normAutofit/>
           </a:bodyPr>
           <a:p>
             <a:pPr marL="432000" indent="-324000">
@@ -4206,17 +3996,11 @@
             </a:pPr>
             <a:r>
               <a:rPr b="0" lang="en-US" sz="1800" spc="-1" strike="noStrike">
-                <a:solidFill>
-                  <a:srgbClr val="000000"/>
-                </a:solidFill>
                 <a:latin typeface="Arial"/>
               </a:rPr>
               <a:t>Click to edit the outline text format</a:t>
             </a:r>
             <a:endParaRPr b="0" lang="en-US" sz="1800" spc="-1" strike="noStrike">
-              <a:solidFill>
-                <a:srgbClr val="000000"/>
-              </a:solidFill>
               <a:latin typeface="Arial"/>
             </a:endParaRPr>
           </a:p>
@@ -4234,17 +4018,11 @@
             </a:pPr>
             <a:r>
               <a:rPr b="0" lang="en-US" sz="1800" spc="-1" strike="noStrike">
-                <a:solidFill>
-                  <a:srgbClr val="000000"/>
-                </a:solidFill>
                 <a:latin typeface="Arial"/>
               </a:rPr>
               <a:t>Second Outline Level</a:t>
             </a:r>
             <a:endParaRPr b="0" lang="en-US" sz="1800" spc="-1" strike="noStrike">
-              <a:solidFill>
-                <a:srgbClr val="000000"/>
-              </a:solidFill>
               <a:latin typeface="Arial"/>
             </a:endParaRPr>
           </a:p>
@@ -4262,17 +4040,11 @@
             </a:pPr>
             <a:r>
               <a:rPr b="0" lang="en-US" sz="1800" spc="-1" strike="noStrike">
-                <a:solidFill>
-                  <a:srgbClr val="000000"/>
-                </a:solidFill>
                 <a:latin typeface="Arial"/>
               </a:rPr>
               <a:t>Third Outline Level</a:t>
             </a:r>
             <a:endParaRPr b="0" lang="en-US" sz="1800" spc="-1" strike="noStrike">
-              <a:solidFill>
-                <a:srgbClr val="000000"/>
-              </a:solidFill>
               <a:latin typeface="Arial"/>
             </a:endParaRPr>
           </a:p>
@@ -4290,17 +4062,11 @@
             </a:pPr>
             <a:r>
               <a:rPr b="0" lang="en-US" sz="1800" spc="-1" strike="noStrike">
-                <a:solidFill>
-                  <a:srgbClr val="000000"/>
-                </a:solidFill>
                 <a:latin typeface="Arial"/>
               </a:rPr>
               <a:t>Fourth Outline Level</a:t>
             </a:r>
             <a:endParaRPr b="0" lang="en-US" sz="1800" spc="-1" strike="noStrike">
-              <a:solidFill>
-                <a:srgbClr val="000000"/>
-              </a:solidFill>
               <a:latin typeface="Arial"/>
             </a:endParaRPr>
           </a:p>
@@ -4318,17 +4084,11 @@
             </a:pPr>
             <a:r>
               <a:rPr b="0" lang="en-US" sz="1800" spc="-1" strike="noStrike">
-                <a:solidFill>
-                  <a:srgbClr val="000000"/>
-                </a:solidFill>
                 <a:latin typeface="Arial"/>
               </a:rPr>
               <a:t>Fifth Outline Level</a:t>
             </a:r>
             <a:endParaRPr b="0" lang="en-US" sz="1800" spc="-1" strike="noStrike">
-              <a:solidFill>
-                <a:srgbClr val="000000"/>
-              </a:solidFill>
               <a:latin typeface="Arial"/>
             </a:endParaRPr>
           </a:p>
@@ -4346,17 +4106,11 @@
             </a:pPr>
             <a:r>
               <a:rPr b="0" lang="en-US" sz="1800" spc="-1" strike="noStrike">
-                <a:solidFill>
-                  <a:srgbClr val="000000"/>
-                </a:solidFill>
                 <a:latin typeface="Arial"/>
               </a:rPr>
               <a:t>Sixth Outline Level</a:t>
             </a:r>
             <a:endParaRPr b="0" lang="en-US" sz="1800" spc="-1" strike="noStrike">
-              <a:solidFill>
-                <a:srgbClr val="000000"/>
-              </a:solidFill>
               <a:latin typeface="Arial"/>
             </a:endParaRPr>
           </a:p>
@@ -4374,17 +4128,11 @@
             </a:pPr>
             <a:r>
               <a:rPr b="0" lang="en-US" sz="1800" spc="-1" strike="noStrike">
-                <a:solidFill>
-                  <a:srgbClr val="000000"/>
-                </a:solidFill>
                 <a:latin typeface="Arial"/>
               </a:rPr>
               <a:t>Seventh Outline Level</a:t>
             </a:r>
             <a:endParaRPr b="0" lang="en-US" sz="1800" spc="-1" strike="noStrike">
-              <a:solidFill>
-                <a:srgbClr val="000000"/>
-              </a:solidFill>
               <a:latin typeface="Arial"/>
             </a:endParaRPr>
           </a:p>
@@ -4403,18 +4151,18 @@
         <p:spPr>
           <a:xfrm>
             <a:off x="8472600" y="4663080"/>
-            <a:ext cx="548280" cy="393120"/>
-          </a:xfrm>
-          <a:prstGeom prst="rect">
-            <a:avLst/>
-          </a:prstGeom>
-          <a:noFill/>
-          <a:ln w="0">
-            <a:noFill/>
-          </a:ln>
-        </p:spPr>
-        <p:txBody>
-          <a:bodyPr tIns="91440" bIns="91440" anchor="ctr">
+            <a:ext cx="547920" cy="392760"/>
+          </a:xfrm>
+          <a:prstGeom prst="rect">
+            <a:avLst/>
+          </a:prstGeom>
+          <a:noFill/>
+          <a:ln w="0">
+            <a:noFill/>
+          </a:ln>
+        </p:spPr>
+        <p:txBody>
+          <a:bodyPr lIns="90000" rIns="90000" tIns="91440" bIns="91440" anchor="ctr">
             <a:noAutofit/>
           </a:bodyPr>
           <a:lstStyle>
@@ -4445,7 +4193,7 @@
                 <a:tab algn="l" pos="0"/>
               </a:tabLst>
             </a:pPr>
-            <a:fld id="{5704938F-4AE0-4559-88C8-E3D3DE2A29E6}" type="slidenum">
+            <a:fld id="{DAA3D61E-95FA-4079-82DE-805DDA7EE32A}" type="slidenum">
               <a:rPr b="0" lang="en" sz="1000" spc="-1" strike="noStrike">
                 <a:solidFill>
                   <a:srgbClr val="595959"/>
@@ -4511,18 +4259,18 @@
         <p:spPr>
           <a:xfrm>
             <a:off x="311760" y="744480"/>
-            <a:ext cx="8520120" cy="2052360"/>
-          </a:xfrm>
-          <a:prstGeom prst="rect">
-            <a:avLst/>
-          </a:prstGeom>
-          <a:noFill/>
-          <a:ln w="0">
-            <a:noFill/>
-          </a:ln>
-        </p:spPr>
-        <p:txBody>
-          <a:bodyPr tIns="91440" bIns="91440" anchor="b">
+            <a:ext cx="8519760" cy="2052000"/>
+          </a:xfrm>
+          <a:prstGeom prst="rect">
+            <a:avLst/>
+          </a:prstGeom>
+          <a:noFill/>
+          <a:ln w="0">
+            <a:noFill/>
+          </a:ln>
+        </p:spPr>
+        <p:txBody>
+          <a:bodyPr lIns="0" rIns="0" tIns="91440" bIns="91440" anchor="b">
             <a:noAutofit/>
           </a:bodyPr>
           <a:p>
@@ -4546,9 +4294,6 @@
               <a:t>Analysing Effect of tags on movie ratings</a:t>
             </a:r>
             <a:endParaRPr b="0" lang="en-US" sz="5200" spc="-1" strike="noStrike">
-              <a:solidFill>
-                <a:srgbClr val="000000"/>
-              </a:solidFill>
               <a:latin typeface="Arial"/>
             </a:endParaRPr>
           </a:p>
@@ -4567,18 +4312,18 @@
         <p:spPr>
           <a:xfrm>
             <a:off x="311760" y="2834280"/>
-            <a:ext cx="8520120" cy="792360"/>
-          </a:xfrm>
-          <a:prstGeom prst="rect">
-            <a:avLst/>
-          </a:prstGeom>
-          <a:noFill/>
-          <a:ln w="0">
-            <a:noFill/>
-          </a:ln>
-        </p:spPr>
-        <p:txBody>
-          <a:bodyPr tIns="91440" bIns="91440" anchor="t">
+            <a:ext cx="8519760" cy="792000"/>
+          </a:xfrm>
+          <a:prstGeom prst="rect">
+            <a:avLst/>
+          </a:prstGeom>
+          <a:noFill/>
+          <a:ln w="0">
+            <a:noFill/>
+          </a:ln>
+        </p:spPr>
+        <p:txBody>
+          <a:bodyPr lIns="0" rIns="0" tIns="91440" bIns="91440" anchor="t">
             <a:noAutofit/>
           </a:bodyPr>
           <a:p>
@@ -4602,6 +4347,470 @@
               <a:t>Akanchha Choudhary</a:t>
             </a:r>
             <a:endParaRPr b="0" lang="en-US" sz="2800" spc="-1" strike="noStrike">
+              <a:latin typeface="Arial"/>
+            </a:endParaRPr>
+          </a:p>
+        </p:txBody>
+      </p:sp>
+    </p:spTree>
+  </p:cSld>
+  <mc:AlternateContent>
+    <mc:Choice Requires="p14">
+      <p:transition spd="slow" p14:dur="2000"/>
+    </mc:Choice>
+    <mc:Fallback>
+      <p:transition spd="slow"/>
+    </mc:Fallback>
+  </mc:AlternateContent>
+</p:sld>
+</file>
+
+<file path=ppt/slides/slide10.xml><?xml version="1.0" encoding="utf-8"?>
+<p:sld xmlns:a="http://schemas.openxmlformats.org/drawingml/2006/main" xmlns:p="http://schemas.openxmlformats.org/presentationml/2006/main" xmlns:r="http://schemas.openxmlformats.org/officeDocument/2006/relationships" xmlns:p14="http://schemas.microsoft.com/office/powerpoint/2010/main" xmlns:p15="http://schemas.microsoft.com/office/powerpoint/2012/main" xmlns:mc="http://schemas.openxmlformats.org/markup-compatibility/2006">
+  <p:cSld>
+    <p:spTree>
+      <p:nvGrpSpPr>
+        <p:cNvPr id="1" name=""/>
+        <p:cNvGrpSpPr/>
+        <p:nvPr/>
+      </p:nvGrpSpPr>
+      <p:grpSpPr>
+        <a:xfrm>
+          <a:off x="0" y="0"/>
+          <a:ext cx="0" cy="0"/>
+          <a:chOff x="0" y="0"/>
+          <a:chExt cx="0" cy="0"/>
+        </a:xfrm>
+      </p:grpSpPr>
+      <p:sp>
+        <p:nvSpPr>
+          <p:cNvPr id="95" name="PlaceHolder 1"/>
+          <p:cNvSpPr>
+            <a:spLocks noGrp="1"/>
+          </p:cNvSpPr>
+          <p:nvPr>
+            <p:ph type="title"/>
+          </p:nvPr>
+        </p:nvSpPr>
+        <p:spPr>
+          <a:xfrm>
+            <a:off x="0" y="0"/>
+            <a:ext cx="9144000" cy="5143680"/>
+          </a:xfrm>
+          <a:prstGeom prst="rect">
+            <a:avLst/>
+          </a:prstGeom>
+          <a:noFill/>
+          <a:ln w="0">
+            <a:noFill/>
+          </a:ln>
+        </p:spPr>
+        <p:txBody>
+          <a:bodyPr lIns="0" rIns="0" tIns="0" bIns="0" anchor="t">
+            <a:noAutofit/>
+          </a:bodyPr>
+          <a:p>
+            <a:br>
+              <a:rPr sz="1400"/>
+            </a:br>
+            <a:r>
+              <a:rPr b="0" lang="en-US" sz="1400" spc="-1" strike="noStrike">
+                <a:latin typeface="Arial"/>
+              </a:rPr>
+              <a:t>   </a:t>
+            </a:r>
+            <a:r>
+              <a:rPr b="0" lang="en-US" sz="1400" spc="-1" strike="noStrike">
+                <a:latin typeface="Arial"/>
+              </a:rPr>
+              <a:t>Performing more analysis using pandas and matplotlib to answer the research question</a:t>
+            </a:r>
+            <a:br>
+              <a:rPr sz="1400"/>
+            </a:br>
+            <a:br>
+              <a:rPr sz="1400"/>
+            </a:br>
+            <a:br>
+              <a:rPr sz="1400"/>
+            </a:br>
+            <a:endParaRPr b="0" lang="en-US" sz="1400" spc="-1" strike="noStrike">
+              <a:latin typeface="Arial"/>
+            </a:endParaRPr>
+          </a:p>
+        </p:txBody>
+      </p:sp>
+      <p:pic>
+        <p:nvPicPr>
+          <p:cNvPr id="96" name="" descr=""/>
+          <p:cNvPicPr/>
+          <p:nvPr/>
+        </p:nvPicPr>
+        <p:blipFill>
+          <a:blip r:embed="rId1"/>
+          <a:stretch/>
+        </p:blipFill>
+        <p:spPr>
+          <a:xfrm>
+            <a:off x="14400" y="914400"/>
+            <a:ext cx="9143640" cy="3999240"/>
+          </a:xfrm>
+          <a:prstGeom prst="rect">
+            <a:avLst/>
+          </a:prstGeom>
+          <a:ln w="0">
+            <a:noFill/>
+          </a:ln>
+        </p:spPr>
+      </p:pic>
+    </p:spTree>
+  </p:cSld>
+  <mc:AlternateContent>
+    <mc:Choice Requires="p14">
+      <p:transition spd="slow" p14:dur="2000"/>
+    </mc:Choice>
+    <mc:Fallback>
+      <p:transition spd="slow"/>
+    </mc:Fallback>
+  </mc:AlternateContent>
+</p:sld>
+</file>
+
+<file path=ppt/slides/slide11.xml><?xml version="1.0" encoding="utf-8"?>
+<p:sld xmlns:a="http://schemas.openxmlformats.org/drawingml/2006/main" xmlns:p="http://schemas.openxmlformats.org/presentationml/2006/main" xmlns:r="http://schemas.openxmlformats.org/officeDocument/2006/relationships" xmlns:p14="http://schemas.microsoft.com/office/powerpoint/2010/main" xmlns:p15="http://schemas.microsoft.com/office/powerpoint/2012/main" xmlns:mc="http://schemas.openxmlformats.org/markup-compatibility/2006">
+  <p:cSld>
+    <p:spTree>
+      <p:nvGrpSpPr>
+        <p:cNvPr id="1" name=""/>
+        <p:cNvGrpSpPr/>
+        <p:nvPr/>
+      </p:nvGrpSpPr>
+      <p:grpSpPr>
+        <a:xfrm>
+          <a:off x="0" y="0"/>
+          <a:ext cx="0" cy="0"/>
+          <a:chOff x="0" y="0"/>
+          <a:chExt cx="0" cy="0"/>
+        </a:xfrm>
+      </p:grpSpPr>
+      <p:sp>
+        <p:nvSpPr>
+          <p:cNvPr id="97" name="PlaceHolder 1"/>
+          <p:cNvSpPr>
+            <a:spLocks noGrp="1"/>
+          </p:cNvSpPr>
+          <p:nvPr>
+            <p:ph type="title"/>
+          </p:nvPr>
+        </p:nvSpPr>
+        <p:spPr>
+          <a:xfrm>
+            <a:off x="0" y="0"/>
+            <a:ext cx="9144000" cy="5143680"/>
+          </a:xfrm>
+          <a:prstGeom prst="rect">
+            <a:avLst/>
+          </a:prstGeom>
+          <a:noFill/>
+          <a:ln w="0">
+            <a:noFill/>
+          </a:ln>
+        </p:spPr>
+        <p:txBody>
+          <a:bodyPr lIns="0" rIns="0" tIns="0" bIns="0" anchor="t">
+            <a:noAutofit/>
+          </a:bodyPr>
+          <a:p>
+            <a:br>
+              <a:rPr sz="1400"/>
+            </a:br>
+            <a:r>
+              <a:rPr b="0" lang="en-US" sz="1400" spc="-1" strike="noStrike">
+                <a:latin typeface="Arial"/>
+              </a:rPr>
+              <a:t>   </a:t>
+            </a:r>
+            <a:r>
+              <a:rPr b="0" lang="en-US" sz="1400" spc="-1" strike="noStrike">
+                <a:latin typeface="Arial"/>
+              </a:rPr>
+              <a:t>Performing more analysis using pandas and matplotlib to answer the research question</a:t>
+            </a:r>
+            <a:br>
+              <a:rPr sz="1400"/>
+            </a:br>
+            <a:br>
+              <a:rPr sz="1400"/>
+            </a:br>
+            <a:br>
+              <a:rPr sz="1400"/>
+            </a:br>
+            <a:endParaRPr b="0" lang="en-US" sz="1400" spc="-1" strike="noStrike">
+              <a:latin typeface="Arial"/>
+            </a:endParaRPr>
+          </a:p>
+        </p:txBody>
+      </p:sp>
+      <p:pic>
+        <p:nvPicPr>
+          <p:cNvPr id="98" name="" descr=""/>
+          <p:cNvPicPr/>
+          <p:nvPr/>
+        </p:nvPicPr>
+        <p:blipFill>
+          <a:blip r:embed="rId1"/>
+          <a:stretch/>
+        </p:blipFill>
+        <p:spPr>
+          <a:xfrm>
+            <a:off x="14400" y="914400"/>
+            <a:ext cx="9143640" cy="3999240"/>
+          </a:xfrm>
+          <a:prstGeom prst="rect">
+            <a:avLst/>
+          </a:prstGeom>
+          <a:ln w="0">
+            <a:noFill/>
+          </a:ln>
+        </p:spPr>
+      </p:pic>
+    </p:spTree>
+  </p:cSld>
+  <mc:AlternateContent>
+    <mc:Choice Requires="p14">
+      <p:transition spd="slow" p14:dur="2000"/>
+    </mc:Choice>
+    <mc:Fallback>
+      <p:transition spd="slow"/>
+    </mc:Fallback>
+  </mc:AlternateContent>
+</p:sld>
+</file>
+
+<file path=ppt/slides/slide12.xml><?xml version="1.0" encoding="utf-8"?>
+<p:sld xmlns:a="http://schemas.openxmlformats.org/drawingml/2006/main" xmlns:p="http://schemas.openxmlformats.org/presentationml/2006/main" xmlns:r="http://schemas.openxmlformats.org/officeDocument/2006/relationships" xmlns:p14="http://schemas.microsoft.com/office/powerpoint/2010/main" xmlns:p15="http://schemas.microsoft.com/office/powerpoint/2012/main" xmlns:mc="http://schemas.openxmlformats.org/markup-compatibility/2006">
+  <p:cSld>
+    <p:spTree>
+      <p:nvGrpSpPr>
+        <p:cNvPr id="1" name=""/>
+        <p:cNvGrpSpPr/>
+        <p:nvPr/>
+      </p:nvGrpSpPr>
+      <p:grpSpPr>
+        <a:xfrm>
+          <a:off x="0" y="0"/>
+          <a:ext cx="0" cy="0"/>
+          <a:chOff x="0" y="0"/>
+          <a:chExt cx="0" cy="0"/>
+        </a:xfrm>
+      </p:grpSpPr>
+      <p:sp>
+        <p:nvSpPr>
+          <p:cNvPr id="99" name="PlaceHolder 1"/>
+          <p:cNvSpPr>
+            <a:spLocks noGrp="1"/>
+          </p:cNvSpPr>
+          <p:nvPr>
+            <p:ph type="title"/>
+          </p:nvPr>
+        </p:nvSpPr>
+        <p:spPr>
+          <a:xfrm>
+            <a:off x="0" y="0"/>
+            <a:ext cx="9144000" cy="5143680"/>
+          </a:xfrm>
+          <a:prstGeom prst="rect">
+            <a:avLst/>
+          </a:prstGeom>
+          <a:noFill/>
+          <a:ln w="0">
+            <a:noFill/>
+          </a:ln>
+        </p:spPr>
+        <p:txBody>
+          <a:bodyPr lIns="0" rIns="0" tIns="0" bIns="0" anchor="t">
+            <a:noAutofit/>
+          </a:bodyPr>
+          <a:p>
+            <a:br>
+              <a:rPr sz="1400"/>
+            </a:br>
+            <a:r>
+              <a:rPr b="0" lang="en-US" sz="1400" spc="-1" strike="noStrike">
+                <a:latin typeface="Arial"/>
+              </a:rPr>
+              <a:t>   </a:t>
+            </a:r>
+            <a:r>
+              <a:rPr b="0" lang="en-US" sz="1400" spc="-1" strike="noStrike">
+                <a:latin typeface="Arial"/>
+              </a:rPr>
+              <a:t>Performing more analysis using pandas and matplotlib to answer the research question</a:t>
+            </a:r>
+            <a:br>
+              <a:rPr sz="1400"/>
+            </a:br>
+            <a:br>
+              <a:rPr sz="1400"/>
+            </a:br>
+            <a:br>
+              <a:rPr sz="1400"/>
+            </a:br>
+            <a:endParaRPr b="0" lang="en-US" sz="1400" spc="-1" strike="noStrike">
+              <a:latin typeface="Arial"/>
+            </a:endParaRPr>
+          </a:p>
+        </p:txBody>
+      </p:sp>
+      <p:pic>
+        <p:nvPicPr>
+          <p:cNvPr id="100" name="" descr=""/>
+          <p:cNvPicPr/>
+          <p:nvPr/>
+        </p:nvPicPr>
+        <p:blipFill>
+          <a:blip r:embed="rId1"/>
+          <a:stretch/>
+        </p:blipFill>
+        <p:spPr>
+          <a:xfrm>
+            <a:off x="14400" y="914400"/>
+            <a:ext cx="9143640" cy="3999240"/>
+          </a:xfrm>
+          <a:prstGeom prst="rect">
+            <a:avLst/>
+          </a:prstGeom>
+          <a:ln w="0">
+            <a:noFill/>
+          </a:ln>
+        </p:spPr>
+      </p:pic>
+    </p:spTree>
+  </p:cSld>
+  <mc:AlternateContent>
+    <mc:Choice Requires="p14">
+      <p:transition spd="slow" p14:dur="2000"/>
+    </mc:Choice>
+    <mc:Fallback>
+      <p:transition spd="slow"/>
+    </mc:Fallback>
+  </mc:AlternateContent>
+</p:sld>
+</file>
+
+<file path=ppt/slides/slide13.xml><?xml version="1.0" encoding="utf-8"?>
+<p:sld xmlns:a="http://schemas.openxmlformats.org/drawingml/2006/main" xmlns:p="http://schemas.openxmlformats.org/presentationml/2006/main" xmlns:r="http://schemas.openxmlformats.org/officeDocument/2006/relationships" xmlns:p14="http://schemas.microsoft.com/office/powerpoint/2010/main" xmlns:p15="http://schemas.microsoft.com/office/powerpoint/2012/main" xmlns:mc="http://schemas.openxmlformats.org/markup-compatibility/2006">
+  <p:cSld>
+    <p:spTree>
+      <p:nvGrpSpPr>
+        <p:cNvPr id="1" name=""/>
+        <p:cNvGrpSpPr/>
+        <p:nvPr/>
+      </p:nvGrpSpPr>
+      <p:grpSpPr>
+        <a:xfrm>
+          <a:off x="0" y="0"/>
+          <a:ext cx="0" cy="0"/>
+          <a:chOff x="0" y="0"/>
+          <a:chExt cx="0" cy="0"/>
+        </a:xfrm>
+      </p:grpSpPr>
+      <p:sp>
+        <p:nvSpPr>
+          <p:cNvPr id="101" name="PlaceHolder 1"/>
+          <p:cNvSpPr>
+            <a:spLocks noGrp="1"/>
+          </p:cNvSpPr>
+          <p:nvPr>
+            <p:ph type="title"/>
+          </p:nvPr>
+        </p:nvSpPr>
+        <p:spPr>
+          <a:xfrm>
+            <a:off x="167040" y="228600"/>
+            <a:ext cx="8519760" cy="572040"/>
+          </a:xfrm>
+          <a:prstGeom prst="rect">
+            <a:avLst/>
+          </a:prstGeom>
+          <a:noFill/>
+          <a:ln w="0">
+            <a:noFill/>
+          </a:ln>
+        </p:spPr>
+        <p:txBody>
+          <a:bodyPr lIns="0" rIns="0" tIns="91440" bIns="91440" anchor="t">
+            <a:noAutofit/>
+          </a:bodyPr>
+          <a:p>
+            <a:pPr>
+              <a:lnSpc>
+                <a:spcPct val="100000"/>
+              </a:lnSpc>
+              <a:buNone/>
+              <a:tabLst>
+                <a:tab algn="l" pos="0"/>
+              </a:tabLst>
+            </a:pPr>
+            <a:r>
+              <a:rPr b="0" lang="en" sz="2800" spc="-1" strike="noStrike">
+                <a:solidFill>
+                  <a:srgbClr val="000000"/>
+                </a:solidFill>
+                <a:latin typeface="Arial"/>
+                <a:ea typeface="Arial"/>
+              </a:rPr>
+              <a:t>Reporting findings/analyses</a:t>
+            </a:r>
+            <a:endParaRPr b="0" lang="en-US" sz="2800" spc="-1" strike="noStrike">
+              <a:latin typeface="Arial"/>
+            </a:endParaRPr>
+          </a:p>
+        </p:txBody>
+      </p:sp>
+      <p:sp>
+        <p:nvSpPr>
+          <p:cNvPr id="102" name="PlaceHolder 2"/>
+          <p:cNvSpPr>
+            <a:spLocks noGrp="1"/>
+          </p:cNvSpPr>
+          <p:nvPr>
+            <p:ph/>
+          </p:nvPr>
+        </p:nvSpPr>
+        <p:spPr>
+          <a:xfrm>
+            <a:off x="0" y="914400"/>
+            <a:ext cx="8831520" cy="3653640"/>
+          </a:xfrm>
+          <a:prstGeom prst="rect">
+            <a:avLst/>
+          </a:prstGeom>
+          <a:noFill/>
+          <a:ln w="0">
+            <a:noFill/>
+          </a:ln>
+        </p:spPr>
+        <p:txBody>
+          <a:bodyPr lIns="0" rIns="0" tIns="0" bIns="0" anchor="t">
+            <a:normAutofit/>
+          </a:bodyPr>
+          <a:p>
+            <a:pPr marL="432000" indent="-324000">
+              <a:buClr>
+                <a:srgbClr val="000000"/>
+              </a:buClr>
+              <a:buSzPct val="45000"/>
+              <a:buFont typeface="Wingdings" charset="2"/>
+              <a:buChar char=""/>
+            </a:pPr>
+            <a:r>
+              <a:rPr b="0" lang="en-US" sz="1200" spc="-1" strike="noStrike">
+                <a:latin typeface="Arial"/>
+              </a:rPr>
+              <a:t>As per the analysis and as shown in graph the most watch genres is SCIFI with 8330 counts.</a:t>
+            </a:r>
+            <a:endParaRPr b="0" lang="en-US" sz="1200" spc="-1" strike="noStrike">
               <a:latin typeface="Arial"/>
             </a:endParaRPr>
           </a:p>
@@ -4639,85 +4848,25 @@
       </p:grpSpPr>
       <p:sp>
         <p:nvSpPr>
-          <p:cNvPr id="80" name="PlaceHolder 1"/>
-          <p:cNvSpPr>
-            <a:spLocks noGrp="1"/>
-          </p:cNvSpPr>
-          <p:nvPr>
-            <p:ph type="title"/>
-          </p:nvPr>
-        </p:nvSpPr>
-        <p:spPr>
-          <a:xfrm>
-            <a:off x="311760" y="444960"/>
-            <a:ext cx="8520120" cy="572400"/>
-          </a:xfrm>
-          <a:prstGeom prst="rect">
-            <a:avLst/>
-          </a:prstGeom>
-          <a:noFill/>
-          <a:ln w="0">
-            <a:noFill/>
-          </a:ln>
-        </p:spPr>
-        <p:txBody>
-          <a:bodyPr tIns="91440" bIns="91440" anchor="t">
-            <a:noAutofit/>
-          </a:bodyPr>
-          <a:p>
-            <a:pPr>
-              <a:lnSpc>
-                <a:spcPct val="100000"/>
-              </a:lnSpc>
-              <a:buNone/>
-              <a:tabLst>
-                <a:tab algn="l" pos="0"/>
-              </a:tabLst>
-            </a:pPr>
-            <a:r>
-              <a:rPr b="0" lang="en" sz="2800" spc="-1" strike="noStrike">
-                <a:solidFill>
-                  <a:srgbClr val="000000"/>
-                </a:solidFill>
-                <a:latin typeface="Arial"/>
-                <a:ea typeface="Arial"/>
-              </a:rPr>
-              <a:t>Dataset(s)</a:t>
-            </a:r>
-            <a:endParaRPr b="0" lang="en-US" sz="2800" spc="-1" strike="noStrike">
-              <a:solidFill>
-                <a:srgbClr val="000000"/>
-              </a:solidFill>
-              <a:latin typeface="Arial"/>
-            </a:endParaRPr>
-          </a:p>
-        </p:txBody>
-      </p:sp>
-      <p:sp>
-        <p:nvSpPr>
-          <p:cNvPr id="81" name="PlaceHolder 2"/>
-          <p:cNvSpPr>
-            <a:spLocks noGrp="1"/>
-          </p:cNvSpPr>
-          <p:nvPr>
-            <p:ph/>
-          </p:nvPr>
-        </p:nvSpPr>
-        <p:spPr>
-          <a:xfrm>
-            <a:off x="311760" y="1152360"/>
-            <a:ext cx="8520120" cy="3416040"/>
-          </a:xfrm>
-          <a:prstGeom prst="rect">
-            <a:avLst/>
-          </a:prstGeom>
-          <a:noFill/>
-          <a:ln w="0">
-            <a:noFill/>
-          </a:ln>
-        </p:spPr>
-        <p:txBody>
-          <a:bodyPr tIns="91440" bIns="91440" anchor="t">
+          <p:cNvPr id="80" name="PlaceHolder 3"/>
+          <p:cNvSpPr txBox="1"/>
+          <p:nvPr/>
+        </p:nvSpPr>
+        <p:spPr>
+          <a:xfrm>
+            <a:off x="0" y="0"/>
+            <a:ext cx="8831520" cy="4568040"/>
+          </a:xfrm>
+          <a:prstGeom prst="rect">
+            <a:avLst/>
+          </a:prstGeom>
+          <a:noFill/>
+          <a:ln w="0">
+            <a:noFill/>
+          </a:ln>
+        </p:spPr>
+        <p:txBody>
+          <a:bodyPr lIns="0" rIns="0" tIns="91440" bIns="91440" anchor="t">
             <a:noAutofit/>
           </a:bodyPr>
           <a:p>
@@ -4738,12 +4887,183 @@
                 <a:latin typeface="Arial"/>
                 <a:ea typeface="Arial"/>
               </a:rPr>
-              <a:t>For this project I am using IMDB Movie Dataset .</a:t>
+              <a:t>This is a mini project for week 6 of course python for data science from micromaster </a:t>
+            </a:r>
+            <a:r>
+              <a:rPr b="0" lang="en" sz="1800" spc="-1" strike="noStrike">
+                <a:solidFill>
+                  <a:srgbClr val="595959"/>
+                </a:solidFill>
+                <a:latin typeface="Arial"/>
+                <a:ea typeface="Arial"/>
+              </a:rPr>
+              <a:t>of Ucsandiego in data science. We were given this practice project to prepare us for </a:t>
+            </a:r>
+            <a:r>
+              <a:rPr b="0" lang="en" sz="1800" spc="-1" strike="noStrike">
+                <a:solidFill>
+                  <a:srgbClr val="595959"/>
+                </a:solidFill>
+                <a:latin typeface="Arial"/>
+                <a:ea typeface="Arial"/>
+              </a:rPr>
+              <a:t>next two big project in this course. I am supposed to perform following steps for this </a:t>
+            </a:r>
+            <a:r>
+              <a:rPr b="0" lang="en" sz="1800" spc="-1" strike="noStrike">
+                <a:solidFill>
+                  <a:srgbClr val="595959"/>
+                </a:solidFill>
+                <a:latin typeface="Arial"/>
+                <a:ea typeface="Arial"/>
+              </a:rPr>
+              <a:t>mini project that has been mentioned below:</a:t>
             </a:r>
             <a:endParaRPr b="0" lang="en-US" sz="1800" spc="-1" strike="noStrike">
-              <a:solidFill>
-                <a:srgbClr val="000000"/>
-              </a:solidFill>
+              <a:latin typeface="Arial"/>
+            </a:endParaRPr>
+          </a:p>
+          <a:p>
+            <a:pPr>
+              <a:lnSpc>
+                <a:spcPct val="115000"/>
+              </a:lnSpc>
+              <a:buNone/>
+              <a:tabLst>
+                <a:tab algn="l" pos="0"/>
+              </a:tabLst>
+            </a:pPr>
+            <a:r>
+              <a:rPr b="0" lang="en" sz="1800" spc="-1" strike="noStrike">
+                <a:solidFill>
+                  <a:srgbClr val="595959"/>
+                </a:solidFill>
+                <a:latin typeface="Arial"/>
+                <a:ea typeface="Arial"/>
+              </a:rPr>
+              <a:t>Step 1:  Select a dataset we’ve already seen</a:t>
+            </a:r>
+            <a:endParaRPr b="0" lang="en-US" sz="1800" spc="-1" strike="noStrike">
+              <a:latin typeface="Arial"/>
+            </a:endParaRPr>
+          </a:p>
+          <a:p>
+            <a:pPr>
+              <a:lnSpc>
+                <a:spcPct val="115000"/>
+              </a:lnSpc>
+              <a:buNone/>
+              <a:tabLst>
+                <a:tab algn="l" pos="0"/>
+              </a:tabLst>
+            </a:pPr>
+            <a:r>
+              <a:rPr b="0" lang="en" sz="1800" spc="-1" strike="noStrike">
+                <a:solidFill>
+                  <a:srgbClr val="595959"/>
+                </a:solidFill>
+                <a:latin typeface="Arial"/>
+                <a:ea typeface="Arial"/>
+              </a:rPr>
+              <a:t>Step 2:  Continue to explore the dataset(s)</a:t>
+            </a:r>
+            <a:endParaRPr b="0" lang="en-US" sz="1800" spc="-1" strike="noStrike">
+              <a:latin typeface="Arial"/>
+            </a:endParaRPr>
+          </a:p>
+          <a:p>
+            <a:pPr>
+              <a:lnSpc>
+                <a:spcPct val="115000"/>
+              </a:lnSpc>
+              <a:buNone/>
+              <a:tabLst>
+                <a:tab algn="l" pos="0"/>
+              </a:tabLst>
+            </a:pPr>
+            <a:r>
+              <a:rPr b="0" lang="en" sz="1800" spc="-1" strike="noStrike">
+                <a:solidFill>
+                  <a:srgbClr val="595959"/>
+                </a:solidFill>
+                <a:latin typeface="Arial"/>
+                <a:ea typeface="Arial"/>
+              </a:rPr>
+              <a:t>Step 3:  Identify one research question</a:t>
+            </a:r>
+            <a:endParaRPr b="0" lang="en-US" sz="1800" spc="-1" strike="noStrike">
+              <a:latin typeface="Arial"/>
+            </a:endParaRPr>
+          </a:p>
+          <a:p>
+            <a:pPr>
+              <a:lnSpc>
+                <a:spcPct val="115000"/>
+              </a:lnSpc>
+              <a:buNone/>
+              <a:tabLst>
+                <a:tab algn="l" pos="0"/>
+              </a:tabLst>
+            </a:pPr>
+            <a:r>
+              <a:rPr b="0" lang="en" sz="1800" spc="-1" strike="noStrike">
+                <a:solidFill>
+                  <a:srgbClr val="595959"/>
+                </a:solidFill>
+                <a:latin typeface="Arial"/>
+                <a:ea typeface="Arial"/>
+              </a:rPr>
+              <a:t>Step 4:  Use appropriate methods to explore your data.</a:t>
+            </a:r>
+            <a:endParaRPr b="0" lang="en-US" sz="1800" spc="-1" strike="noStrike">
+              <a:latin typeface="Arial"/>
+            </a:endParaRPr>
+          </a:p>
+          <a:p>
+            <a:pPr>
+              <a:lnSpc>
+                <a:spcPct val="115000"/>
+              </a:lnSpc>
+              <a:buNone/>
+              <a:tabLst>
+                <a:tab algn="l" pos="0"/>
+              </a:tabLst>
+            </a:pPr>
+            <a:r>
+              <a:rPr b="0" lang="en" sz="1800" spc="-1" strike="noStrike">
+                <a:solidFill>
+                  <a:srgbClr val="595959"/>
+                </a:solidFill>
+                <a:latin typeface="Arial"/>
+                <a:ea typeface="Arial"/>
+              </a:rPr>
+              <a:t>Step 5:  Present your findings</a:t>
+            </a:r>
+            <a:endParaRPr b="0" lang="en-US" sz="1800" spc="-1" strike="noStrike">
+              <a:latin typeface="Arial"/>
+            </a:endParaRPr>
+          </a:p>
+          <a:p>
+            <a:pPr>
+              <a:lnSpc>
+                <a:spcPct val="115000"/>
+              </a:lnSpc>
+              <a:buNone/>
+              <a:tabLst>
+                <a:tab algn="l" pos="0"/>
+              </a:tabLst>
+            </a:pPr>
+            <a:r>
+              <a:rPr b="0" lang="en" sz="1800" spc="-1" strike="noStrike">
+                <a:solidFill>
+                  <a:srgbClr val="595959"/>
+                </a:solidFill>
+                <a:latin typeface="Arial"/>
+                <a:ea typeface="Arial"/>
+              </a:rPr>
+              <a:t>Step 6:  Present your work!</a:t>
+            </a:r>
+            <a:endParaRPr b="0" lang="en-US" sz="1800" spc="-1" strike="noStrike">
               <a:latin typeface="Arial"/>
             </a:endParaRPr>
           </a:p>
@@ -4781,7 +5101,7 @@
       </p:grpSpPr>
       <p:sp>
         <p:nvSpPr>
-          <p:cNvPr id="82" name="PlaceHolder 1"/>
+          <p:cNvPr id="81" name="PlaceHolder 1"/>
           <p:cNvSpPr>
             <a:spLocks noGrp="1"/>
           </p:cNvSpPr>
@@ -4791,19 +5111,19 @@
         </p:nvSpPr>
         <p:spPr>
           <a:xfrm>
-            <a:off x="311760" y="444960"/>
-            <a:ext cx="8520120" cy="572400"/>
-          </a:xfrm>
-          <a:prstGeom prst="rect">
-            <a:avLst/>
-          </a:prstGeom>
-          <a:noFill/>
-          <a:ln w="0">
-            <a:noFill/>
-          </a:ln>
-        </p:spPr>
-        <p:txBody>
-          <a:bodyPr tIns="91440" bIns="91440" anchor="t">
+            <a:off x="0" y="0"/>
+            <a:ext cx="8831520" cy="457200"/>
+          </a:xfrm>
+          <a:prstGeom prst="rect">
+            <a:avLst/>
+          </a:prstGeom>
+          <a:noFill/>
+          <a:ln w="0">
+            <a:noFill/>
+          </a:ln>
+        </p:spPr>
+        <p:txBody>
+          <a:bodyPr lIns="0" rIns="0" tIns="91440" bIns="91440" anchor="t">
             <a:noAutofit/>
           </a:bodyPr>
           <a:p>
@@ -4816,6 +5136,9 @@
                 <a:tab algn="l" pos="0"/>
               </a:tabLst>
             </a:pPr>
+            <a:br>
+              <a:rPr sz="2800"/>
+            </a:br>
             <a:r>
               <a:rPr b="0" lang="en" sz="2800" spc="-1" strike="noStrike">
                 <a:solidFill>
@@ -4824,20 +5147,17 @@
                 <a:latin typeface="Arial"/>
                 <a:ea typeface="Arial"/>
               </a:rPr>
-              <a:t>Motivation</a:t>
+              <a:t>Dataset(s)</a:t>
             </a:r>
             <a:endParaRPr b="0" lang="en-US" sz="2800" spc="-1" strike="noStrike">
-              <a:solidFill>
-                <a:srgbClr val="000000"/>
-              </a:solidFill>
-              <a:latin typeface="Arial"/>
-            </a:endParaRPr>
-          </a:p>
-        </p:txBody>
-      </p:sp>
-      <p:sp>
-        <p:nvSpPr>
-          <p:cNvPr id="83" name="PlaceHolder 2"/>
+              <a:latin typeface="Arial"/>
+            </a:endParaRPr>
+          </a:p>
+        </p:txBody>
+      </p:sp>
+      <p:sp>
+        <p:nvSpPr>
+          <p:cNvPr id="82" name="PlaceHolder 2"/>
           <p:cNvSpPr>
             <a:spLocks noGrp="1"/>
           </p:cNvSpPr>
@@ -4847,19 +5167,19 @@
         </p:nvSpPr>
         <p:spPr>
           <a:xfrm>
-            <a:off x="311760" y="1152360"/>
-            <a:ext cx="8520120" cy="3416040"/>
-          </a:xfrm>
-          <a:prstGeom prst="rect">
-            <a:avLst/>
-          </a:prstGeom>
-          <a:noFill/>
-          <a:ln w="0">
-            <a:noFill/>
-          </a:ln>
-        </p:spPr>
-        <p:txBody>
-          <a:bodyPr tIns="91440" bIns="91440" anchor="t">
+            <a:off x="0" y="1143000"/>
+            <a:ext cx="8831520" cy="3882240"/>
+          </a:xfrm>
+          <a:prstGeom prst="rect">
+            <a:avLst/>
+          </a:prstGeom>
+          <a:noFill/>
+          <a:ln w="0">
+            <a:noFill/>
+          </a:ln>
+        </p:spPr>
+        <p:txBody>
+          <a:bodyPr lIns="0" rIns="0" tIns="91440" bIns="91440" anchor="t">
             <a:noAutofit/>
           </a:bodyPr>
           <a:p>
@@ -4867,58 +5187,122 @@
               <a:lnSpc>
                 <a:spcPct val="115000"/>
               </a:lnSpc>
-              <a:spcAft>
-                <a:spcPts val="1599"/>
-              </a:spcAft>
               <a:buNone/>
               <a:tabLst>
                 <a:tab algn="l" pos="0"/>
               </a:tabLst>
             </a:pPr>
             <a:r>
-              <a:rPr b="0" lang="en" sz="1800" spc="-1" strike="noStrike">
+              <a:rPr b="0" lang="en" sz="1200" spc="-1" strike="noStrike">
                 <a:solidFill>
                   <a:srgbClr val="595959"/>
                 </a:solidFill>
                 <a:latin typeface="Arial"/>
                 <a:ea typeface="Arial"/>
               </a:rPr>
-              <a:t>Describe the problem you want to solve with the data.  It may relate closely with </a:t>
+              <a:t>As a first step of this project. I am asked to choose a one of three dataset that has already been discussed in this course.I am choosing Movielens dataset which is a IMBD dataset and make analysis of movies domain.</a:t>
             </a:r>
+            <a:endParaRPr b="0" lang="en-US" sz="1200" spc="-1" strike="noStrike">
+              <a:latin typeface="Arial"/>
+            </a:endParaRPr>
+          </a:p>
+          <a:p>
+            <a:pPr>
+              <a:lnSpc>
+                <a:spcPct val="115000"/>
+              </a:lnSpc>
+              <a:buNone/>
+              <a:tabLst>
+                <a:tab algn="l" pos="0"/>
+              </a:tabLst>
+            </a:pPr>
             <a:r>
-              <a:rPr b="0" lang="en" sz="1800" spc="-1" strike="noStrike">
+              <a:rPr b="0" lang="en" sz="1200" spc="-1" strike="noStrike">
                 <a:solidFill>
                   <a:srgbClr val="595959"/>
                 </a:solidFill>
                 <a:latin typeface="Arial"/>
                 <a:ea typeface="Arial"/>
               </a:rPr>
-              <a:t>your research question, but your goal here is to make your audience care about </a:t>
+              <a:t>The dataset is available for download here - https://grouplens.org/datasets/movielens/20m/</a:t>
             </a:r>
+            <a:endParaRPr b="0" lang="en-US" sz="1200" spc="-1" strike="noStrike">
+              <a:latin typeface="Arial"/>
+            </a:endParaRPr>
+          </a:p>
+          <a:p>
+            <a:pPr>
+              <a:lnSpc>
+                <a:spcPct val="115000"/>
+              </a:lnSpc>
+              <a:buNone/>
+              <a:tabLst>
+                <a:tab algn="l" pos="0"/>
+              </a:tabLst>
+            </a:pPr>
+            <a:endParaRPr b="0" lang="en-US" sz="1200" spc="-1" strike="noStrike">
+              <a:latin typeface="Arial"/>
+            </a:endParaRPr>
+          </a:p>
+          <a:p>
+            <a:pPr>
+              <a:lnSpc>
+                <a:spcPct val="115000"/>
+              </a:lnSpc>
+              <a:buNone/>
+              <a:tabLst>
+                <a:tab algn="l" pos="0"/>
+              </a:tabLst>
+            </a:pPr>
             <a:r>
-              <a:rPr b="0" lang="en" sz="1800" spc="-1" strike="noStrike">
+              <a:rPr b="0" lang="en" sz="1200" spc="-1" strike="noStrike">
                 <a:solidFill>
                   <a:srgbClr val="595959"/>
                 </a:solidFill>
                 <a:latin typeface="Arial"/>
                 <a:ea typeface="Arial"/>
               </a:rPr>
-              <a:t>the project/problem you are trying to solve.  You need to articulate the problem you </a:t>
+              <a:t>Description about the dataset, as shown on the website is below:</a:t>
             </a:r>
+            <a:endParaRPr b="0" lang="en-US" sz="1200" spc="-1" strike="noStrike">
+              <a:latin typeface="Arial"/>
+            </a:endParaRPr>
+          </a:p>
+          <a:p>
+            <a:pPr>
+              <a:lnSpc>
+                <a:spcPct val="115000"/>
+              </a:lnSpc>
+              <a:buNone/>
+              <a:tabLst>
+                <a:tab algn="l" pos="0"/>
+              </a:tabLst>
+            </a:pPr>
+            <a:endParaRPr b="0" lang="en-US" sz="1200" spc="-1" strike="noStrike">
+              <a:latin typeface="Arial"/>
+            </a:endParaRPr>
+          </a:p>
+          <a:p>
+            <a:pPr>
+              <a:lnSpc>
+                <a:spcPct val="115000"/>
+              </a:lnSpc>
+              <a:buNone/>
+              <a:tabLst>
+                <a:tab algn="l" pos="0"/>
+              </a:tabLst>
+            </a:pPr>
             <a:r>
-              <a:rPr b="0" lang="en" sz="1800" spc="-1" strike="noStrike">
+              <a:rPr b="0" lang="en" sz="1200" spc="-1" strike="noStrike">
                 <a:solidFill>
                   <a:srgbClr val="595959"/>
                 </a:solidFill>
                 <a:latin typeface="Arial"/>
                 <a:ea typeface="Arial"/>
               </a:rPr>
-              <a:t>are exploring and why (and for whom) insight would be valuable.</a:t>
+              <a:t>This dataset (ml-20m) describes 5-star rating and free-text tagging activity from MovieLens, a movie recommendation service. It contains 20000263 ratings and 465564 tag applications across 27278 movies. These data were created by 138493 users between January 09, 1995 and March 31, 2015. This dataset was generated on October 17, 2016.</a:t>
             </a:r>
-            <a:endParaRPr b="0" lang="en-US" sz="1800" spc="-1" strike="noStrike">
-              <a:solidFill>
-                <a:srgbClr val="000000"/>
-              </a:solidFill>
+            <a:endParaRPr b="0" lang="en-US" sz="1200" spc="-1" strike="noStrike">
               <a:latin typeface="Arial"/>
             </a:endParaRPr>
           </a:p>
@@ -4927,38 +5311,74 @@
               <a:lnSpc>
                 <a:spcPct val="115000"/>
               </a:lnSpc>
-              <a:spcAft>
-                <a:spcPts val="1599"/>
-              </a:spcAft>
               <a:buNone/>
               <a:tabLst>
                 <a:tab algn="l" pos="0"/>
               </a:tabLst>
             </a:pPr>
+            <a:endParaRPr b="0" lang="en-US" sz="1200" spc="-1" strike="noStrike">
+              <a:latin typeface="Arial"/>
+            </a:endParaRPr>
+          </a:p>
+          <a:p>
+            <a:pPr>
+              <a:lnSpc>
+                <a:spcPct val="115000"/>
+              </a:lnSpc>
+              <a:buNone/>
+              <a:tabLst>
+                <a:tab algn="l" pos="0"/>
+              </a:tabLst>
+            </a:pPr>
             <a:r>
-              <a:rPr b="0" lang="en" sz="1800" spc="-1" strike="noStrike">
+              <a:rPr b="0" lang="en" sz="1200" spc="-1" strike="noStrike">
                 <a:solidFill>
                   <a:srgbClr val="595959"/>
                 </a:solidFill>
                 <a:latin typeface="Arial"/>
                 <a:ea typeface="Arial"/>
               </a:rPr>
-              <a:t>I want to understand wheather the tagging affect movie ratings and if yes then how </a:t>
+              <a:t>Users were selected at random for inclusion. All selected users had rated at least 20 movies. No demographic information is included. Each user is represented by an id, and no other information is provided.</a:t>
             </a:r>
+            <a:endParaRPr b="0" lang="en-US" sz="1200" spc="-1" strike="noStrike">
+              <a:latin typeface="Arial"/>
+            </a:endParaRPr>
+          </a:p>
+          <a:p>
+            <a:pPr>
+              <a:lnSpc>
+                <a:spcPct val="115000"/>
+              </a:lnSpc>
+              <a:buNone/>
+              <a:tabLst>
+                <a:tab algn="l" pos="0"/>
+              </a:tabLst>
+            </a:pPr>
+            <a:endParaRPr b="0" lang="en-US" sz="1200" spc="-1" strike="noStrike">
+              <a:latin typeface="Arial"/>
+            </a:endParaRPr>
+          </a:p>
+          <a:p>
+            <a:pPr>
+              <a:lnSpc>
+                <a:spcPct val="115000"/>
+              </a:lnSpc>
+              <a:buNone/>
+              <a:tabLst>
+                <a:tab algn="l" pos="0"/>
+              </a:tabLst>
+            </a:pPr>
             <a:r>
-              <a:rPr b="0" lang="en" sz="1800" spc="-1" strike="noStrike">
+              <a:rPr b="0" lang="en" sz="1200" spc="-1" strike="noStrike">
                 <a:solidFill>
                   <a:srgbClr val="595959"/>
                 </a:solidFill>
                 <a:latin typeface="Arial"/>
                 <a:ea typeface="Arial"/>
               </a:rPr>
-              <a:t>does tagging and rating are correlated and what is the strength of its correlation.</a:t>
+              <a:t>The data are contained in six files, genome-scores.csv, genome-tags.csv, links.csv, movies.csv, ratings.csv and tags.csv. More details about the contents and use of all these files follows.</a:t>
             </a:r>
-            <a:endParaRPr b="0" lang="en-US" sz="1800" spc="-1" strike="noStrike">
-              <a:solidFill>
-                <a:srgbClr val="000000"/>
-              </a:solidFill>
+            <a:endParaRPr b="0" lang="en-US" sz="1200" spc="-1" strike="noStrike">
               <a:latin typeface="Arial"/>
             </a:endParaRPr>
           </a:p>
@@ -4996,7 +5416,7 @@
       </p:grpSpPr>
       <p:sp>
         <p:nvSpPr>
-          <p:cNvPr id="84" name="PlaceHolder 1"/>
+          <p:cNvPr id="83" name="PlaceHolder 1"/>
           <p:cNvSpPr>
             <a:spLocks noGrp="1"/>
           </p:cNvSpPr>
@@ -5006,109 +5426,75 @@
         </p:nvSpPr>
         <p:spPr>
           <a:xfrm>
-            <a:off x="311760" y="444960"/>
-            <a:ext cx="8520120" cy="572400"/>
-          </a:xfrm>
-          <a:prstGeom prst="rect">
-            <a:avLst/>
-          </a:prstGeom>
-          <a:noFill/>
-          <a:ln w="0">
-            <a:noFill/>
-          </a:ln>
-        </p:spPr>
-        <p:txBody>
-          <a:bodyPr tIns="91440" bIns="91440" anchor="t">
+            <a:off x="0" y="0"/>
+            <a:ext cx="9144000" cy="5143680"/>
+          </a:xfrm>
+          <a:prstGeom prst="rect">
+            <a:avLst/>
+          </a:prstGeom>
+          <a:noFill/>
+          <a:ln w="0">
+            <a:noFill/>
+          </a:ln>
+        </p:spPr>
+        <p:txBody>
+          <a:bodyPr lIns="0" rIns="0" tIns="0" bIns="0" anchor="t">
             <a:noAutofit/>
           </a:bodyPr>
           <a:p>
-            <a:pPr>
-              <a:lnSpc>
-                <a:spcPct val="100000"/>
-              </a:lnSpc>
-              <a:buNone/>
-              <a:tabLst>
-                <a:tab algn="l" pos="0"/>
-              </a:tabLst>
-            </a:pPr>
+            <a:br>
+              <a:rPr sz="1400"/>
+            </a:br>
             <a:r>
-              <a:rPr b="0" lang="en" sz="2800" spc="-1" strike="noStrike">
-                <a:solidFill>
-                  <a:srgbClr val="000000"/>
-                </a:solidFill>
+              <a:rPr b="0" lang="en-US" sz="1400" spc="-1" strike="noStrike">
                 <a:latin typeface="Arial"/>
-                <a:ea typeface="Arial"/>
               </a:rPr>
-              <a:t>Research Question(s)</a:t>
+              <a:t>   </a:t>
             </a:r>
-            <a:endParaRPr b="0" lang="en-US" sz="2800" spc="-1" strike="noStrike">
-              <a:solidFill>
-                <a:srgbClr val="000000"/>
-              </a:solidFill>
-              <a:latin typeface="Arial"/>
-            </a:endParaRPr>
-          </a:p>
-        </p:txBody>
-      </p:sp>
-      <p:sp>
-        <p:nvSpPr>
-          <p:cNvPr id="85" name="PlaceHolder 2"/>
-          <p:cNvSpPr>
-            <a:spLocks noGrp="1"/>
-          </p:cNvSpPr>
-          <p:nvPr>
-            <p:ph/>
-          </p:nvPr>
-        </p:nvSpPr>
-        <p:spPr>
-          <a:xfrm>
-            <a:off x="311760" y="1152360"/>
-            <a:ext cx="8520120" cy="3416040"/>
-          </a:xfrm>
-          <a:prstGeom prst="rect">
-            <a:avLst/>
-          </a:prstGeom>
-          <a:noFill/>
-          <a:ln w="0">
-            <a:noFill/>
-          </a:ln>
-        </p:spPr>
-        <p:txBody>
-          <a:bodyPr tIns="91440" bIns="91440" anchor="t">
-            <a:noAutofit/>
-          </a:bodyPr>
-          <a:p>
-            <a:pPr>
-              <a:lnSpc>
-                <a:spcPct val="115000"/>
-              </a:lnSpc>
-              <a:spcAft>
-                <a:spcPts val="1599"/>
-              </a:spcAft>
-              <a:buNone/>
-              <a:tabLst>
-                <a:tab algn="l" pos="0"/>
-              </a:tabLst>
-            </a:pPr>
             <a:r>
-              <a:rPr b="0" lang="en" sz="1800" spc="-1" strike="noStrike">
-                <a:solidFill>
-                  <a:srgbClr val="595959"/>
-                </a:solidFill>
+              <a:rPr b="0" lang="en-US" sz="1400" spc="-1" strike="noStrike">
                 <a:latin typeface="Arial"/>
-                <a:ea typeface="Arial"/>
               </a:rPr>
-              <a:t>What is your research question you aim to answer using the dataset?  Be sure the research question is well defined (see project description for details).</a:t>
+              <a:t>Lets perform some analysis . I have loaded movies.csv, ratings.csv and tags.csv and did some initial analysis with command shown below.</a:t>
             </a:r>
-            <a:endParaRPr b="0" lang="en-US" sz="1800" spc="-1" strike="noStrike">
-              <a:solidFill>
-                <a:srgbClr val="000000"/>
-              </a:solidFill>
-              <a:latin typeface="Arial"/>
-            </a:endParaRPr>
-          </a:p>
-        </p:txBody>
-      </p:sp>
+            <a:br>
+              <a:rPr sz="1400"/>
+            </a:br>
+            <a:br>
+              <a:rPr sz="1400"/>
+            </a:br>
+            <a:br>
+              <a:rPr sz="1400"/>
+            </a:br>
+            <a:endParaRPr b="0" lang="en-US" sz="1400" spc="-1" strike="noStrike">
+              <a:latin typeface="Arial"/>
+            </a:endParaRPr>
+          </a:p>
+        </p:txBody>
+      </p:sp>
+      <p:pic>
+        <p:nvPicPr>
+          <p:cNvPr id="84" name="" descr=""/>
+          <p:cNvPicPr/>
+          <p:nvPr/>
+        </p:nvPicPr>
+        <p:blipFill>
+          <a:blip r:embed="rId1"/>
+          <a:stretch/>
+        </p:blipFill>
+        <p:spPr>
+          <a:xfrm>
+            <a:off x="14400" y="914400"/>
+            <a:ext cx="9143640" cy="3999240"/>
+          </a:xfrm>
+          <a:prstGeom prst="rect">
+            <a:avLst/>
+          </a:prstGeom>
+          <a:ln w="0">
+            <a:noFill/>
+          </a:ln>
+        </p:spPr>
+      </p:pic>
     </p:spTree>
   </p:cSld>
   <mc:AlternateContent>
@@ -5141,7 +5527,7 @@
       </p:grpSpPr>
       <p:sp>
         <p:nvSpPr>
-          <p:cNvPr id="86" name="PlaceHolder 1"/>
+          <p:cNvPr id="85" name="PlaceHolder 1"/>
           <p:cNvSpPr>
             <a:spLocks noGrp="1"/>
           </p:cNvSpPr>
@@ -5151,169 +5537,75 @@
         </p:nvSpPr>
         <p:spPr>
           <a:xfrm>
-            <a:off x="311760" y="444960"/>
-            <a:ext cx="8520120" cy="572400"/>
-          </a:xfrm>
-          <a:prstGeom prst="rect">
-            <a:avLst/>
-          </a:prstGeom>
-          <a:noFill/>
-          <a:ln w="0">
-            <a:noFill/>
-          </a:ln>
-        </p:spPr>
-        <p:txBody>
-          <a:bodyPr tIns="91440" bIns="91440" anchor="t">
+            <a:off x="0" y="0"/>
+            <a:ext cx="9144000" cy="5143680"/>
+          </a:xfrm>
+          <a:prstGeom prst="rect">
+            <a:avLst/>
+          </a:prstGeom>
+          <a:noFill/>
+          <a:ln w="0">
+            <a:noFill/>
+          </a:ln>
+        </p:spPr>
+        <p:txBody>
+          <a:bodyPr lIns="0" rIns="0" tIns="0" bIns="0" anchor="t">
             <a:noAutofit/>
           </a:bodyPr>
           <a:p>
-            <a:pPr>
-              <a:lnSpc>
-                <a:spcPct val="100000"/>
-              </a:lnSpc>
-              <a:buNone/>
-              <a:tabLst>
-                <a:tab algn="l" pos="0"/>
-              </a:tabLst>
-            </a:pPr>
+            <a:br>
+              <a:rPr sz="1400"/>
+            </a:br>
             <a:r>
-              <a:rPr b="0" lang="en" sz="2800" spc="-1" strike="noStrike">
-                <a:solidFill>
-                  <a:srgbClr val="000000"/>
-                </a:solidFill>
+              <a:rPr b="0" lang="en-US" sz="1400" spc="-1" strike="noStrike">
                 <a:latin typeface="Arial"/>
-                <a:ea typeface="Arial"/>
               </a:rPr>
-              <a:t>Findings</a:t>
+              <a:t>   </a:t>
             </a:r>
-            <a:endParaRPr b="0" lang="en-US" sz="2800" spc="-1" strike="noStrike">
-              <a:solidFill>
-                <a:srgbClr val="000000"/>
-              </a:solidFill>
-              <a:latin typeface="Arial"/>
-            </a:endParaRPr>
-          </a:p>
-        </p:txBody>
-      </p:sp>
-      <p:sp>
-        <p:nvSpPr>
-          <p:cNvPr id="87" name="PlaceHolder 2"/>
-          <p:cNvSpPr>
-            <a:spLocks noGrp="1"/>
-          </p:cNvSpPr>
-          <p:nvPr>
-            <p:ph/>
-          </p:nvPr>
-        </p:nvSpPr>
-        <p:spPr>
-          <a:xfrm>
-            <a:off x="311760" y="1152360"/>
-            <a:ext cx="8520120" cy="3416040"/>
-          </a:xfrm>
-          <a:prstGeom prst="rect">
-            <a:avLst/>
-          </a:prstGeom>
-          <a:noFill/>
-          <a:ln w="0">
-            <a:noFill/>
-          </a:ln>
-        </p:spPr>
-        <p:txBody>
-          <a:bodyPr tIns="91440" bIns="91440" anchor="t">
-            <a:noAutofit/>
-          </a:bodyPr>
-          <a:p>
-            <a:pPr>
-              <a:lnSpc>
-                <a:spcPct val="115000"/>
-              </a:lnSpc>
-              <a:buNone/>
-              <a:tabLst>
-                <a:tab algn="l" pos="0"/>
-              </a:tabLst>
-            </a:pPr>
             <a:r>
-              <a:rPr b="0" lang="en" sz="1800" spc="-1" strike="noStrike">
-                <a:solidFill>
-                  <a:srgbClr val="595959"/>
-                </a:solidFill>
+              <a:rPr b="0" lang="en-US" sz="1400" spc="-1" strike="noStrike">
                 <a:latin typeface="Arial"/>
-                <a:ea typeface="Arial"/>
               </a:rPr>
-              <a:t>&lt;Feel free to replicate this slide to show multiple findings&gt;</a:t>
+              <a:t>Lets perform some analysis . I have loaded movies.csv, ratings.csv and tags.csv and did some initial analysis with command shown below.</a:t>
             </a:r>
-            <a:endParaRPr b="0" lang="en-US" sz="1800" spc="-1" strike="noStrike">
-              <a:solidFill>
-                <a:srgbClr val="000000"/>
-              </a:solidFill>
-              <a:latin typeface="Arial"/>
-            </a:endParaRPr>
-          </a:p>
-          <a:p>
-            <a:pPr>
-              <a:lnSpc>
-                <a:spcPct val="115000"/>
-              </a:lnSpc>
-              <a:spcBef>
-                <a:spcPts val="1599"/>
-              </a:spcBef>
-              <a:buNone/>
-              <a:tabLst>
-                <a:tab algn="l" pos="0"/>
-              </a:tabLst>
-            </a:pPr>
-            <a:r>
-              <a:rPr b="0" lang="en" sz="1800" spc="-1" strike="noStrike">
-                <a:solidFill>
-                  <a:srgbClr val="595959"/>
-                </a:solidFill>
-                <a:latin typeface="Arial"/>
-                <a:ea typeface="Arial"/>
-              </a:rPr>
-              <a:t>Present your findings.  Include at least one visualization in your presentation (feel free to include more). The visualization should be honest, accessible, and elegant for a general audience.</a:t>
-            </a:r>
-            <a:endParaRPr b="0" lang="en-US" sz="1800" spc="-1" strike="noStrike">
-              <a:solidFill>
-                <a:srgbClr val="000000"/>
-              </a:solidFill>
-              <a:latin typeface="Arial"/>
-            </a:endParaRPr>
-          </a:p>
-          <a:p>
-            <a:pPr>
-              <a:lnSpc>
-                <a:spcPct val="115000"/>
-              </a:lnSpc>
-              <a:spcBef>
-                <a:spcPts val="1599"/>
-              </a:spcBef>
-              <a:spcAft>
-                <a:spcPts val="1599"/>
-              </a:spcAft>
-              <a:buNone/>
-              <a:tabLst>
-                <a:tab algn="l" pos="0"/>
-              </a:tabLst>
-            </a:pPr>
-            <a:r>
-              <a:rPr b="0" lang="en" sz="1800" spc="-1" strike="noStrike">
-                <a:solidFill>
-                  <a:srgbClr val="595959"/>
-                </a:solidFill>
-                <a:latin typeface="Arial"/>
-                <a:ea typeface="Arial"/>
-              </a:rPr>
-              <a:t>You need not come to a definitive conclusion, but you need to say how your findings relate back to your research question.</a:t>
-            </a:r>
-            <a:endParaRPr b="0" lang="en-US" sz="1800" spc="-1" strike="noStrike">
-              <a:solidFill>
-                <a:srgbClr val="000000"/>
-              </a:solidFill>
-              <a:latin typeface="Arial"/>
-            </a:endParaRPr>
-          </a:p>
-        </p:txBody>
-      </p:sp>
+            <a:br>
+              <a:rPr sz="1400"/>
+            </a:br>
+            <a:br>
+              <a:rPr sz="1400"/>
+            </a:br>
+            <a:br>
+              <a:rPr sz="1400"/>
+            </a:br>
+            <a:endParaRPr b="0" lang="en-US" sz="1400" spc="-1" strike="noStrike">
+              <a:latin typeface="Arial"/>
+            </a:endParaRPr>
+          </a:p>
+        </p:txBody>
+      </p:sp>
+      <p:pic>
+        <p:nvPicPr>
+          <p:cNvPr id="86" name="" descr=""/>
+          <p:cNvPicPr/>
+          <p:nvPr/>
+        </p:nvPicPr>
+        <p:blipFill>
+          <a:blip r:embed="rId1"/>
+          <a:stretch/>
+        </p:blipFill>
+        <p:spPr>
+          <a:xfrm>
+            <a:off x="14400" y="914400"/>
+            <a:ext cx="9143640" cy="3999240"/>
+          </a:xfrm>
+          <a:prstGeom prst="rect">
+            <a:avLst/>
+          </a:prstGeom>
+          <a:ln w="0">
+            <a:noFill/>
+          </a:ln>
+        </p:spPr>
+      </p:pic>
     </p:spTree>
   </p:cSld>
   <mc:AlternateContent>
@@ -5346,7 +5638,7 @@
       </p:grpSpPr>
       <p:sp>
         <p:nvSpPr>
-          <p:cNvPr id="88" name="PlaceHolder 1"/>
+          <p:cNvPr id="87" name="PlaceHolder 1"/>
           <p:cNvSpPr>
             <a:spLocks noGrp="1"/>
           </p:cNvSpPr>
@@ -5357,18 +5649,18 @@
         <p:spPr>
           <a:xfrm>
             <a:off x="311760" y="444960"/>
-            <a:ext cx="8520120" cy="572400"/>
-          </a:xfrm>
-          <a:prstGeom prst="rect">
-            <a:avLst/>
-          </a:prstGeom>
-          <a:noFill/>
-          <a:ln w="0">
-            <a:noFill/>
-          </a:ln>
-        </p:spPr>
-        <p:txBody>
-          <a:bodyPr tIns="91440" bIns="91440" anchor="t">
+            <a:ext cx="8519760" cy="572040"/>
+          </a:xfrm>
+          <a:prstGeom prst="rect">
+            <a:avLst/>
+          </a:prstGeom>
+          <a:noFill/>
+          <a:ln w="0">
+            <a:noFill/>
+          </a:ln>
+        </p:spPr>
+        <p:txBody>
+          <a:bodyPr lIns="0" rIns="0" tIns="91440" bIns="91440" anchor="t">
             <a:noAutofit/>
           </a:bodyPr>
           <a:p>
@@ -5389,20 +5681,17 @@
                 <a:latin typeface="Arial"/>
                 <a:ea typeface="Arial"/>
               </a:rPr>
-              <a:t>Acknowledgements</a:t>
+              <a:t>Research Question</a:t>
             </a:r>
             <a:endParaRPr b="0" lang="en-US" sz="2800" spc="-1" strike="noStrike">
-              <a:solidFill>
-                <a:srgbClr val="000000"/>
-              </a:solidFill>
-              <a:latin typeface="Arial"/>
-            </a:endParaRPr>
-          </a:p>
-        </p:txBody>
-      </p:sp>
-      <p:sp>
-        <p:nvSpPr>
-          <p:cNvPr id="89" name="PlaceHolder 2"/>
+              <a:latin typeface="Arial"/>
+            </a:endParaRPr>
+          </a:p>
+        </p:txBody>
+      </p:sp>
+      <p:sp>
+        <p:nvSpPr>
+          <p:cNvPr id="88" name="PlaceHolder 2"/>
           <p:cNvSpPr>
             <a:spLocks noGrp="1"/>
           </p:cNvSpPr>
@@ -5413,18 +5702,18 @@
         <p:spPr>
           <a:xfrm>
             <a:off x="311760" y="1152360"/>
-            <a:ext cx="8520120" cy="3416040"/>
-          </a:xfrm>
-          <a:prstGeom prst="rect">
-            <a:avLst/>
-          </a:prstGeom>
-          <a:noFill/>
-          <a:ln w="0">
-            <a:noFill/>
-          </a:ln>
-        </p:spPr>
-        <p:txBody>
-          <a:bodyPr tIns="91440" bIns="91440" anchor="t">
+            <a:ext cx="8519760" cy="3415680"/>
+          </a:xfrm>
+          <a:prstGeom prst="rect">
+            <a:avLst/>
+          </a:prstGeom>
+          <a:noFill/>
+          <a:ln w="0">
+            <a:noFill/>
+          </a:ln>
+        </p:spPr>
+        <p:txBody>
+          <a:bodyPr lIns="0" rIns="0" tIns="91440" bIns="91440" anchor="t">
             <a:noAutofit/>
           </a:bodyPr>
           <a:p>
@@ -5432,6 +5721,9 @@
               <a:lnSpc>
                 <a:spcPct val="115000"/>
               </a:lnSpc>
+              <a:spcAft>
+                <a:spcPts val="1599"/>
+              </a:spcAft>
               <a:buNone/>
               <a:tabLst>
                 <a:tab algn="l" pos="0"/>
@@ -5445,12 +5737,9 @@
                 <a:latin typeface="Arial"/>
                 <a:ea typeface="Arial"/>
               </a:rPr>
-              <a:t>Did you use other informal analysis to inform your work?  Did you get feedback on your work by friends or colleagues? Etc.  </a:t>
+              <a:t>Based on the above exploratory commands, I believe that the following questions can be answered using the dataset for example</a:t>
             </a:r>
             <a:endParaRPr b="0" lang="en-US" sz="1800" spc="-1" strike="noStrike">
-              <a:solidFill>
-                <a:srgbClr val="000000"/>
-              </a:solidFill>
               <a:latin typeface="Arial"/>
             </a:endParaRPr>
           </a:p>
@@ -5459,9 +5748,6 @@
               <a:lnSpc>
                 <a:spcPct val="115000"/>
               </a:lnSpc>
-              <a:spcBef>
-                <a:spcPts val="1599"/>
-              </a:spcBef>
               <a:spcAft>
                 <a:spcPts val="1599"/>
               </a:spcAft>
@@ -5478,12 +5764,110 @@
                 <a:latin typeface="Arial"/>
                 <a:ea typeface="Arial"/>
               </a:rPr>
-              <a:t>If you had no one give you feedback, it’s okay to say that.</a:t>
+              <a:t>1.highly rated movie by year</a:t>
             </a:r>
             <a:endParaRPr b="0" lang="en-US" sz="1800" spc="-1" strike="noStrike">
-              <a:solidFill>
-                <a:srgbClr val="000000"/>
-              </a:solidFill>
+              <a:latin typeface="Arial"/>
+            </a:endParaRPr>
+          </a:p>
+          <a:p>
+            <a:pPr>
+              <a:lnSpc>
+                <a:spcPct val="115000"/>
+              </a:lnSpc>
+              <a:spcAft>
+                <a:spcPts val="1599"/>
+              </a:spcAft>
+              <a:buNone/>
+              <a:tabLst>
+                <a:tab algn="l" pos="0"/>
+              </a:tabLst>
+            </a:pPr>
+            <a:r>
+              <a:rPr b="0" lang="en" sz="1800" spc="-1" strike="noStrike">
+                <a:solidFill>
+                  <a:srgbClr val="595959"/>
+                </a:solidFill>
+                <a:latin typeface="Arial"/>
+                <a:ea typeface="Arial"/>
+              </a:rPr>
+              <a:t>2.Is there any correlation between rating and frequency of tagging.</a:t>
+            </a:r>
+            <a:endParaRPr b="0" lang="en-US" sz="1800" spc="-1" strike="noStrike">
+              <a:latin typeface="Arial"/>
+            </a:endParaRPr>
+          </a:p>
+          <a:p>
+            <a:pPr>
+              <a:lnSpc>
+                <a:spcPct val="115000"/>
+              </a:lnSpc>
+              <a:spcAft>
+                <a:spcPts val="1599"/>
+              </a:spcAft>
+              <a:buNone/>
+              <a:tabLst>
+                <a:tab algn="l" pos="0"/>
+              </a:tabLst>
+            </a:pPr>
+            <a:r>
+              <a:rPr b="0" lang="en" sz="1800" spc="-1" strike="noStrike">
+                <a:solidFill>
+                  <a:srgbClr val="595959"/>
+                </a:solidFill>
+                <a:latin typeface="Arial"/>
+                <a:ea typeface="Arial"/>
+              </a:rPr>
+              <a:t>3. Most watch genres of all time.</a:t>
+            </a:r>
+            <a:endParaRPr b="0" lang="en-US" sz="1800" spc="-1" strike="noStrike">
+              <a:latin typeface="Arial"/>
+            </a:endParaRPr>
+          </a:p>
+          <a:p>
+            <a:pPr>
+              <a:lnSpc>
+                <a:spcPct val="115000"/>
+              </a:lnSpc>
+              <a:spcAft>
+                <a:spcPts val="1599"/>
+              </a:spcAft>
+              <a:buNone/>
+              <a:tabLst>
+                <a:tab algn="l" pos="0"/>
+              </a:tabLst>
+            </a:pPr>
+            <a:r>
+              <a:rPr b="0" lang="en" sz="1800" spc="-1" strike="noStrike">
+                <a:solidFill>
+                  <a:srgbClr val="595959"/>
+                </a:solidFill>
+                <a:latin typeface="Arial"/>
+                <a:ea typeface="Arial"/>
+              </a:rPr>
+              <a:t>For the analysis I will go with 3</a:t>
+            </a:r>
+            <a:r>
+              <a:rPr b="0" lang="en" sz="1800" spc="-1" strike="noStrike" baseline="33000">
+                <a:solidFill>
+                  <a:srgbClr val="595959"/>
+                </a:solidFill>
+                <a:latin typeface="Arial"/>
+                <a:ea typeface="Arial"/>
+              </a:rPr>
+              <a:t>rd</a:t>
+            </a:r>
+            <a:r>
+              <a:rPr b="0" lang="en" sz="1800" spc="-1" strike="noStrike">
+                <a:solidFill>
+                  <a:srgbClr val="595959"/>
+                </a:solidFill>
+                <a:latin typeface="Arial"/>
+                <a:ea typeface="Arial"/>
+              </a:rPr>
+              <a:t> research question</a:t>
+            </a:r>
+            <a:endParaRPr b="0" lang="en-US" sz="1800" spc="-1" strike="noStrike">
               <a:latin typeface="Arial"/>
             </a:endParaRPr>
           </a:p>
@@ -5521,7 +5905,7 @@
       </p:grpSpPr>
       <p:sp>
         <p:nvSpPr>
-          <p:cNvPr id="90" name="PlaceHolder 1"/>
+          <p:cNvPr id="89" name="PlaceHolder 1"/>
           <p:cNvSpPr>
             <a:spLocks noGrp="1"/>
           </p:cNvSpPr>
@@ -5531,109 +5915,297 @@
         </p:nvSpPr>
         <p:spPr>
           <a:xfrm>
-            <a:off x="311760" y="444960"/>
-            <a:ext cx="8520120" cy="572400"/>
-          </a:xfrm>
-          <a:prstGeom prst="rect">
-            <a:avLst/>
-          </a:prstGeom>
-          <a:noFill/>
-          <a:ln w="0">
-            <a:noFill/>
-          </a:ln>
-        </p:spPr>
-        <p:txBody>
-          <a:bodyPr tIns="91440" bIns="91440" anchor="t">
+            <a:off x="0" y="0"/>
+            <a:ext cx="9144000" cy="5143680"/>
+          </a:xfrm>
+          <a:prstGeom prst="rect">
+            <a:avLst/>
+          </a:prstGeom>
+          <a:noFill/>
+          <a:ln w="0">
+            <a:noFill/>
+          </a:ln>
+        </p:spPr>
+        <p:txBody>
+          <a:bodyPr lIns="0" rIns="0" tIns="0" bIns="0" anchor="t">
             <a:noAutofit/>
           </a:bodyPr>
           <a:p>
-            <a:pPr>
-              <a:lnSpc>
-                <a:spcPct val="100000"/>
-              </a:lnSpc>
-              <a:buNone/>
-              <a:tabLst>
-                <a:tab algn="l" pos="0"/>
-              </a:tabLst>
-            </a:pPr>
+            <a:br>
+              <a:rPr sz="1400"/>
+            </a:br>
             <a:r>
-              <a:rPr b="0" lang="en" sz="2800" spc="-1" strike="noStrike">
-                <a:solidFill>
-                  <a:srgbClr val="000000"/>
-                </a:solidFill>
+              <a:rPr b="0" lang="en-US" sz="1400" spc="-1" strike="noStrike">
                 <a:latin typeface="Arial"/>
-                <a:ea typeface="Arial"/>
               </a:rPr>
-              <a:t>References</a:t>
+              <a:t>   </a:t>
             </a:r>
-            <a:endParaRPr b="0" lang="en-US" sz="2800" spc="-1" strike="noStrike">
-              <a:solidFill>
-                <a:srgbClr val="000000"/>
-              </a:solidFill>
-              <a:latin typeface="Arial"/>
-            </a:endParaRPr>
-          </a:p>
-        </p:txBody>
-      </p:sp>
-      <p:sp>
-        <p:nvSpPr>
-          <p:cNvPr id="91" name="PlaceHolder 2"/>
-          <p:cNvSpPr>
-            <a:spLocks noGrp="1"/>
-          </p:cNvSpPr>
-          <p:nvPr>
-            <p:ph/>
-          </p:nvPr>
-        </p:nvSpPr>
-        <p:spPr>
-          <a:xfrm>
-            <a:off x="311760" y="1152360"/>
-            <a:ext cx="8520120" cy="3416040"/>
-          </a:xfrm>
-          <a:prstGeom prst="rect">
-            <a:avLst/>
-          </a:prstGeom>
-          <a:noFill/>
-          <a:ln w="0">
-            <a:noFill/>
-          </a:ln>
-        </p:spPr>
-        <p:txBody>
-          <a:bodyPr tIns="91440" bIns="91440" anchor="t">
+            <a:r>
+              <a:rPr b="0" lang="en-US" sz="1400" spc="-1" strike="noStrike">
+                <a:latin typeface="Arial"/>
+              </a:rPr>
+              <a:t>Performing more analysis using pandas and matplotlib to answer the research question</a:t>
+            </a:r>
+            <a:br>
+              <a:rPr sz="1400"/>
+            </a:br>
+            <a:br>
+              <a:rPr sz="1400"/>
+            </a:br>
+            <a:br>
+              <a:rPr sz="1400"/>
+            </a:br>
+            <a:endParaRPr b="0" lang="en-US" sz="1400" spc="-1" strike="noStrike">
+              <a:latin typeface="Arial"/>
+            </a:endParaRPr>
+          </a:p>
+        </p:txBody>
+      </p:sp>
+      <p:pic>
+        <p:nvPicPr>
+          <p:cNvPr id="90" name="" descr=""/>
+          <p:cNvPicPr/>
+          <p:nvPr/>
+        </p:nvPicPr>
+        <p:blipFill>
+          <a:blip r:embed="rId1"/>
+          <a:stretch/>
+        </p:blipFill>
+        <p:spPr>
+          <a:xfrm>
+            <a:off x="14400" y="914400"/>
+            <a:ext cx="9143640" cy="3999240"/>
+          </a:xfrm>
+          <a:prstGeom prst="rect">
+            <a:avLst/>
+          </a:prstGeom>
+          <a:ln w="0">
+            <a:noFill/>
+          </a:ln>
+        </p:spPr>
+      </p:pic>
+    </p:spTree>
+  </p:cSld>
+  <mc:AlternateContent>
+    <mc:Choice Requires="p14">
+      <p:transition spd="slow" p14:dur="2000"/>
+    </mc:Choice>
+    <mc:Fallback>
+      <p:transition spd="slow"/>
+    </mc:Fallback>
+  </mc:AlternateContent>
+</p:sld>
+</file>
+
+<file path=ppt/slides/slide8.xml><?xml version="1.0" encoding="utf-8"?>
+<p:sld xmlns:a="http://schemas.openxmlformats.org/drawingml/2006/main" xmlns:p="http://schemas.openxmlformats.org/presentationml/2006/main" xmlns:r="http://schemas.openxmlformats.org/officeDocument/2006/relationships" xmlns:p14="http://schemas.microsoft.com/office/powerpoint/2010/main" xmlns:p15="http://schemas.microsoft.com/office/powerpoint/2012/main" xmlns:mc="http://schemas.openxmlformats.org/markup-compatibility/2006">
+  <p:cSld>
+    <p:spTree>
+      <p:nvGrpSpPr>
+        <p:cNvPr id="1" name=""/>
+        <p:cNvGrpSpPr/>
+        <p:nvPr/>
+      </p:nvGrpSpPr>
+      <p:grpSpPr>
+        <a:xfrm>
+          <a:off x="0" y="0"/>
+          <a:ext cx="0" cy="0"/>
+          <a:chOff x="0" y="0"/>
+          <a:chExt cx="0" cy="0"/>
+        </a:xfrm>
+      </p:grpSpPr>
+      <p:sp>
+        <p:nvSpPr>
+          <p:cNvPr id="91" name="PlaceHolder 1"/>
+          <p:cNvSpPr>
+            <a:spLocks noGrp="1"/>
+          </p:cNvSpPr>
+          <p:nvPr>
+            <p:ph type="title"/>
+          </p:nvPr>
+        </p:nvSpPr>
+        <p:spPr>
+          <a:xfrm>
+            <a:off x="0" y="0"/>
+            <a:ext cx="9144000" cy="5143680"/>
+          </a:xfrm>
+          <a:prstGeom prst="rect">
+            <a:avLst/>
+          </a:prstGeom>
+          <a:noFill/>
+          <a:ln w="0">
+            <a:noFill/>
+          </a:ln>
+        </p:spPr>
+        <p:txBody>
+          <a:bodyPr lIns="0" rIns="0" tIns="0" bIns="0" anchor="t">
             <a:noAutofit/>
           </a:bodyPr>
           <a:p>
-            <a:pPr>
-              <a:lnSpc>
-                <a:spcPct val="115000"/>
-              </a:lnSpc>
-              <a:spcAft>
-                <a:spcPts val="1599"/>
-              </a:spcAft>
-              <a:buNone/>
-              <a:tabLst>
-                <a:tab algn="l" pos="0"/>
-              </a:tabLst>
-            </a:pPr>
+            <a:br>
+              <a:rPr sz="1400"/>
+            </a:br>
             <a:r>
-              <a:rPr b="0" lang="en" sz="1800" spc="-1" strike="noStrike">
-                <a:solidFill>
-                  <a:srgbClr val="595959"/>
-                </a:solidFill>
+              <a:rPr b="0" lang="en-US" sz="1400" spc="-1" strike="noStrike">
                 <a:latin typeface="Arial"/>
-                <a:ea typeface="Arial"/>
               </a:rPr>
-              <a:t>If applicable, report any references you used in your work.  For example, you may have used a research paper from X to help guide your analysis.  You should cite that work here. If you did all the work on your own, please state this.</a:t>
+              <a:t>   </a:t>
             </a:r>
-            <a:endParaRPr b="0" lang="en-US" sz="1800" spc="-1" strike="noStrike">
-              <a:solidFill>
-                <a:srgbClr val="000000"/>
-              </a:solidFill>
-              <a:latin typeface="Arial"/>
-            </a:endParaRPr>
-          </a:p>
-        </p:txBody>
-      </p:sp>
+            <a:r>
+              <a:rPr b="0" lang="en-US" sz="1400" spc="-1" strike="noStrike">
+                <a:latin typeface="Arial"/>
+              </a:rPr>
+              <a:t>Performing more analysis using pandas and matplotlib to answer the research question</a:t>
+            </a:r>
+            <a:br>
+              <a:rPr sz="1400"/>
+            </a:br>
+            <a:br>
+              <a:rPr sz="1400"/>
+            </a:br>
+            <a:br>
+              <a:rPr sz="1400"/>
+            </a:br>
+            <a:endParaRPr b="0" lang="en-US" sz="1400" spc="-1" strike="noStrike">
+              <a:latin typeface="Arial"/>
+            </a:endParaRPr>
+          </a:p>
+        </p:txBody>
+      </p:sp>
+      <p:pic>
+        <p:nvPicPr>
+          <p:cNvPr id="92" name="" descr=""/>
+          <p:cNvPicPr/>
+          <p:nvPr/>
+        </p:nvPicPr>
+        <p:blipFill>
+          <a:blip r:embed="rId1"/>
+          <a:stretch/>
+        </p:blipFill>
+        <p:spPr>
+          <a:xfrm>
+            <a:off x="14400" y="914400"/>
+            <a:ext cx="9143640" cy="3999240"/>
+          </a:xfrm>
+          <a:prstGeom prst="rect">
+            <a:avLst/>
+          </a:prstGeom>
+          <a:ln w="0">
+            <a:noFill/>
+          </a:ln>
+        </p:spPr>
+      </p:pic>
+    </p:spTree>
+  </p:cSld>
+  <mc:AlternateContent>
+    <mc:Choice Requires="p14">
+      <p:transition spd="slow" p14:dur="2000"/>
+    </mc:Choice>
+    <mc:Fallback>
+      <p:transition spd="slow"/>
+    </mc:Fallback>
+  </mc:AlternateContent>
+</p:sld>
+</file>
+
+<file path=ppt/slides/slide9.xml><?xml version="1.0" encoding="utf-8"?>
+<p:sld xmlns:a="http://schemas.openxmlformats.org/drawingml/2006/main" xmlns:p="http://schemas.openxmlformats.org/presentationml/2006/main" xmlns:r="http://schemas.openxmlformats.org/officeDocument/2006/relationships" xmlns:p14="http://schemas.microsoft.com/office/powerpoint/2010/main" xmlns:p15="http://schemas.microsoft.com/office/powerpoint/2012/main" xmlns:mc="http://schemas.openxmlformats.org/markup-compatibility/2006">
+  <p:cSld>
+    <p:spTree>
+      <p:nvGrpSpPr>
+        <p:cNvPr id="1" name=""/>
+        <p:cNvGrpSpPr/>
+        <p:nvPr/>
+      </p:nvGrpSpPr>
+      <p:grpSpPr>
+        <a:xfrm>
+          <a:off x="0" y="0"/>
+          <a:ext cx="0" cy="0"/>
+          <a:chOff x="0" y="0"/>
+          <a:chExt cx="0" cy="0"/>
+        </a:xfrm>
+      </p:grpSpPr>
+      <p:sp>
+        <p:nvSpPr>
+          <p:cNvPr id="93" name="PlaceHolder 1"/>
+          <p:cNvSpPr>
+            <a:spLocks noGrp="1"/>
+          </p:cNvSpPr>
+          <p:nvPr>
+            <p:ph type="title"/>
+          </p:nvPr>
+        </p:nvSpPr>
+        <p:spPr>
+          <a:xfrm>
+            <a:off x="0" y="0"/>
+            <a:ext cx="9144000" cy="5143680"/>
+          </a:xfrm>
+          <a:prstGeom prst="rect">
+            <a:avLst/>
+          </a:prstGeom>
+          <a:noFill/>
+          <a:ln w="0">
+            <a:noFill/>
+          </a:ln>
+        </p:spPr>
+        <p:txBody>
+          <a:bodyPr lIns="0" rIns="0" tIns="0" bIns="0" anchor="t">
+            <a:noAutofit/>
+          </a:bodyPr>
+          <a:p>
+            <a:br>
+              <a:rPr sz="1400"/>
+            </a:br>
+            <a:r>
+              <a:rPr b="0" lang="en-US" sz="1400" spc="-1" strike="noStrike">
+                <a:latin typeface="Arial"/>
+              </a:rPr>
+              <a:t>   </a:t>
+            </a:r>
+            <a:r>
+              <a:rPr b="0" lang="en-US" sz="1400" spc="-1" strike="noStrike">
+                <a:latin typeface="Arial"/>
+              </a:rPr>
+              <a:t>Performing more analysis using pandas and matplotlib to answer the research question</a:t>
+            </a:r>
+            <a:br>
+              <a:rPr sz="1400"/>
+            </a:br>
+            <a:br>
+              <a:rPr sz="1400"/>
+            </a:br>
+            <a:br>
+              <a:rPr sz="1400"/>
+            </a:br>
+            <a:endParaRPr b="0" lang="en-US" sz="1400" spc="-1" strike="noStrike">
+              <a:latin typeface="Arial"/>
+            </a:endParaRPr>
+          </a:p>
+        </p:txBody>
+      </p:sp>
+      <p:pic>
+        <p:nvPicPr>
+          <p:cNvPr id="94" name="" descr=""/>
+          <p:cNvPicPr/>
+          <p:nvPr/>
+        </p:nvPicPr>
+        <p:blipFill>
+          <a:blip r:embed="rId1"/>
+          <a:stretch/>
+        </p:blipFill>
+        <p:spPr>
+          <a:xfrm>
+            <a:off x="14400" y="914400"/>
+            <a:ext cx="9143640" cy="3999240"/>
+          </a:xfrm>
+          <a:prstGeom prst="rect">
+            <a:avLst/>
+          </a:prstGeom>
+          <a:ln w="0">
+            <a:noFill/>
+          </a:ln>
+        </p:spPr>
+      </p:pic>
     </p:spTree>
   </p:cSld>
   <mc:AlternateContent>
